--- a/ppt/4주차 발표_3조.pptx
+++ b/ppt/4주차 발표_3조.pptx
@@ -24,13 +24,13 @@
   <p:notesSz cx="6858000" cy="9144000"/>
   <p:embeddedFontLst>
     <p:embeddedFont>
-      <p:font typeface="210 콤퓨타세탁 L" panose="02020603020101020101" pitchFamily="18" charset="-127"/>
+      <p:font typeface="맑은 고딕" panose="020B0503020000020004" pitchFamily="50" charset="-127"/>
       <p:regular r:id="rId16"/>
+      <p:bold r:id="rId17"/>
     </p:embeddedFont>
     <p:embeddedFont>
-      <p:font typeface="맑은 고딕" panose="020B0503020000020004" pitchFamily="50" charset="-127"/>
-      <p:regular r:id="rId17"/>
-      <p:bold r:id="rId18"/>
+      <p:font typeface="210 콤퓨타세탁 L" panose="02020603020101020101" pitchFamily="18" charset="-127"/>
+      <p:regular r:id="rId18"/>
     </p:embeddedFont>
   </p:embeddedFontLst>
   <p:defaultTextStyle>
@@ -130,7 +130,7 @@
   </p:defaultTextStyle>
   <p:extLst>
     <p:ext uri="{EFAFB233-063F-42B5-8137-9DF3F51BA10A}">
-      <p15:sldGuideLst xmlns:p15="http://schemas.microsoft.com/office/powerpoint/2012/main">
+      <p15:sldGuideLst xmlns:p15="http://schemas.microsoft.com/office/powerpoint/2012/main" xmlns="">
         <p15:guide id="1" orient="horz" pos="2160">
           <p15:clr>
             <a:srgbClr val="A4A3A4"/>
@@ -9634,11 +9634,7 @@
             </a:r>
             <a:r>
               <a:rPr lang="ko-KR" altLang="en-US" dirty="0" smtClean="0"/>
-              <a:t> 통한 </a:t>
-            </a:r>
-            <a:r>
-              <a:rPr lang="ko-KR" altLang="en-US" dirty="0" smtClean="0"/>
-              <a:t>설계 </a:t>
+              <a:t> 통한 설계 </a:t>
             </a:r>
             <a:r>
               <a:rPr lang="en-US" altLang="ko-KR" dirty="0" smtClean="0"/>
@@ -9683,19 +9679,7 @@
               <a:rPr lang="ko-KR" altLang="en-US" dirty="0" smtClean="0">
                 <a:latin typeface="+mn-ea"/>
               </a:rPr>
-              <a:t>서비스할 </a:t>
-            </a:r>
-            <a:r>
-              <a:rPr lang="ko-KR" altLang="en-US" dirty="0" smtClean="0">
-                <a:latin typeface="+mn-ea"/>
-              </a:rPr>
-              <a:t>웹 페이지 </a:t>
-            </a:r>
-            <a:r>
-              <a:rPr lang="ko-KR" altLang="en-US" dirty="0" smtClean="0">
-                <a:latin typeface="+mn-ea"/>
-              </a:rPr>
-              <a:t>화면</a:t>
+              <a:t>서비스할 웹 페이지 화면</a:t>
             </a:r>
             <a:r>
               <a:rPr lang="en-US" altLang="ko-KR" dirty="0" smtClean="0">
@@ -9952,9 +9936,6 @@
               </a:rPr>
               <a:t>리스트에 나온 병원 위치 지도에 표시</a:t>
             </a:r>
-            <a:endParaRPr lang="ko-KR" altLang="en-US" dirty="0" smtClean="0">
-              <a:latin typeface="+mn-ea"/>
-            </a:endParaRPr>
           </a:p>
         </p:txBody>
       </p:sp>
@@ -10224,6 +10205,192 @@
             <a:endParaRPr lang="ko-KR" altLang="en-US">
               <a:latin typeface="+mn-ea"/>
             </a:endParaRPr>
+          </a:p>
+        </p:txBody>
+      </p:sp>
+      <p:pic>
+        <p:nvPicPr>
+          <p:cNvPr id="2" name="그림 1"/>
+          <p:cNvPicPr>
+            <a:picLocks noChangeAspect="1"/>
+          </p:cNvPicPr>
+          <p:nvPr/>
+        </p:nvPicPr>
+        <p:blipFill rotWithShape="1">
+          <a:blip r:embed="rId2">
+            <a:extLst>
+              <a:ext uri="{28A0092B-C50C-407E-A947-70E740481C1C}">
+                <a14:useLocalDpi xmlns:a14="http://schemas.microsoft.com/office/drawing/2010/main" val="0"/>
+              </a:ext>
+            </a:extLst>
+          </a:blip>
+          <a:srcRect r="24772"/>
+          <a:stretch/>
+        </p:blipFill>
+        <p:spPr>
+          <a:xfrm>
+            <a:off x="767408" y="1196752"/>
+            <a:ext cx="10513168" cy="3341692"/>
+          </a:xfrm>
+          <a:prstGeom prst="rect">
+            <a:avLst/>
+          </a:prstGeom>
+        </p:spPr>
+      </p:pic>
+      <p:sp>
+        <p:nvSpPr>
+          <p:cNvPr id="3" name="TextBox 2"/>
+          <p:cNvSpPr txBox="1"/>
+          <p:nvPr/>
+        </p:nvSpPr>
+        <p:spPr>
+          <a:xfrm>
+            <a:off x="767408" y="4826476"/>
+            <a:ext cx="10801200" cy="1338828"/>
+          </a:xfrm>
+          <a:prstGeom prst="rect">
+            <a:avLst/>
+          </a:prstGeom>
+          <a:noFill/>
+        </p:spPr>
+        <p:txBody>
+          <a:bodyPr wrap="square" rtlCol="0">
+            <a:spAutoFit/>
+          </a:bodyPr>
+          <a:lstStyle/>
+          <a:p>
+            <a:pPr>
+              <a:lnSpc>
+                <a:spcPct val="150000"/>
+              </a:lnSpc>
+            </a:pPr>
+            <a:r>
+              <a:rPr lang="ko-KR" altLang="en-US" dirty="0" err="1" smtClean="0">
+                <a:latin typeface="+mn-ea"/>
+              </a:rPr>
+              <a:t>구글</a:t>
+            </a:r>
+            <a:r>
+              <a:rPr lang="ko-KR" altLang="en-US" dirty="0" smtClean="0">
+                <a:latin typeface="+mn-ea"/>
+              </a:rPr>
+              <a:t> 지도 </a:t>
+            </a:r>
+            <a:r>
+              <a:rPr lang="en-US" altLang="ko-KR" dirty="0" smtClean="0">
+                <a:latin typeface="+mn-ea"/>
+              </a:rPr>
+              <a:t>API</a:t>
+            </a:r>
+            <a:r>
+              <a:rPr lang="ko-KR" altLang="en-US" dirty="0" smtClean="0">
+                <a:latin typeface="+mn-ea"/>
+              </a:rPr>
+              <a:t>를 받아오기 위한 코드입니다</a:t>
+            </a:r>
+            <a:r>
+              <a:rPr lang="en-US" altLang="ko-KR" dirty="0" smtClean="0">
+                <a:latin typeface="+mn-ea"/>
+              </a:rPr>
+              <a:t>.</a:t>
+            </a:r>
+          </a:p>
+          <a:p>
+            <a:pPr>
+              <a:lnSpc>
+                <a:spcPct val="150000"/>
+              </a:lnSpc>
+            </a:pPr>
+            <a:r>
+              <a:rPr lang="ko-KR" altLang="en-US" dirty="0" smtClean="0">
+                <a:latin typeface="+mn-ea"/>
+              </a:rPr>
+              <a:t>밑에서 두 번째 줄에 있는 </a:t>
+            </a:r>
+            <a:r>
+              <a:rPr lang="en-US" altLang="ko-KR" dirty="0" smtClean="0">
+                <a:latin typeface="+mn-ea"/>
+              </a:rPr>
+              <a:t>URL</a:t>
+            </a:r>
+            <a:r>
+              <a:rPr lang="ko-KR" altLang="en-US" dirty="0" smtClean="0">
+                <a:latin typeface="+mn-ea"/>
+              </a:rPr>
+              <a:t>로 </a:t>
+            </a:r>
+            <a:r>
+              <a:rPr lang="en-US" altLang="ko-KR" dirty="0" smtClean="0">
+                <a:latin typeface="+mn-ea"/>
+              </a:rPr>
+              <a:t>request</a:t>
+            </a:r>
+            <a:r>
+              <a:rPr lang="ko-KR" altLang="en-US" dirty="0" smtClean="0">
+                <a:latin typeface="+mn-ea"/>
+              </a:rPr>
+              <a:t>를 보내고 </a:t>
+            </a:r>
+            <a:r>
+              <a:rPr lang="en-US" altLang="ko-KR" dirty="0" err="1" smtClean="0">
+                <a:latin typeface="+mn-ea"/>
+              </a:rPr>
+              <a:t>initMap</a:t>
+            </a:r>
+            <a:r>
+              <a:rPr lang="en-US" altLang="ko-KR" dirty="0">
+                <a:latin typeface="+mn-ea"/>
+              </a:rPr>
+              <a:t> </a:t>
+            </a:r>
+            <a:r>
+              <a:rPr lang="ko-KR" altLang="en-US" dirty="0" smtClean="0">
+                <a:latin typeface="+mn-ea"/>
+              </a:rPr>
+              <a:t>함수를 사용하여 </a:t>
+            </a:r>
+            <a:r>
+              <a:rPr lang="ko-KR" altLang="en-US" dirty="0" err="1" smtClean="0">
+                <a:latin typeface="+mn-ea"/>
+              </a:rPr>
+              <a:t>구글</a:t>
+            </a:r>
+            <a:r>
+              <a:rPr lang="ko-KR" altLang="en-US" dirty="0" smtClean="0">
+                <a:latin typeface="+mn-ea"/>
+              </a:rPr>
+              <a:t> 지도 객체를 생성하고 </a:t>
+            </a:r>
+            <a:r>
+              <a:rPr lang="en-US" altLang="ko-KR" dirty="0" err="1" smtClean="0">
+                <a:latin typeface="+mn-ea"/>
+              </a:rPr>
+              <a:t>uluru</a:t>
+            </a:r>
+            <a:r>
+              <a:rPr lang="ko-KR" altLang="en-US" dirty="0" smtClean="0">
+                <a:latin typeface="+mn-ea"/>
+              </a:rPr>
+              <a:t>에 저장된 좌표 값으로 지도의 최초 위치와 </a:t>
+            </a:r>
+            <a:r>
+              <a:rPr lang="en-US" altLang="ko-KR" dirty="0" smtClean="0">
+                <a:latin typeface="+mn-ea"/>
+              </a:rPr>
+              <a:t>marker</a:t>
+            </a:r>
+            <a:r>
+              <a:rPr lang="ko-KR" altLang="en-US" dirty="0" smtClean="0">
+                <a:latin typeface="+mn-ea"/>
+              </a:rPr>
+              <a:t>의 최초 위치를 초기화하여 줍니다</a:t>
+            </a:r>
+            <a:r>
+              <a:rPr lang="en-US" altLang="ko-KR" dirty="0" smtClean="0">
+                <a:latin typeface="+mn-ea"/>
+              </a:rPr>
+              <a:t>. </a:t>
+            </a:r>
           </a:p>
         </p:txBody>
       </p:sp>
@@ -11146,7 +11313,7 @@
   <a:extraClrSchemeLst/>
   <a:extLst>
     <a:ext uri="{05A4C25C-085E-4340-85A3-A5531E510DB2}">
-      <thm15:themeFamily xmlns:thm15="http://schemas.microsoft.com/office/thememl/2012/main" name="Office Theme" id="{62F939B6-93AF-4DB8-9C6B-D6C7DFDC589F}" vid="{4A3C46E8-61CC-4603-A589-7422A47A8E4A}"/>
+      <thm15:themeFamily xmlns:thm15="http://schemas.microsoft.com/office/thememl/2012/main" xmlns="" name="Office Theme" id="{62F939B6-93AF-4DB8-9C6B-D6C7DFDC589F}" vid="{4A3C46E8-61CC-4603-A589-7422A47A8E4A}"/>
     </a:ext>
   </a:extLst>
 </a:theme>

--- a/ppt/4주차 발표_3조.pptx
+++ b/ppt/4주차 발표_3조.pptx
@@ -13,24 +13,23 @@
     <p:sldId id="281" r:id="rId7"/>
     <p:sldId id="280" r:id="rId8"/>
     <p:sldId id="284" r:id="rId9"/>
-    <p:sldId id="285" r:id="rId10"/>
-    <p:sldId id="286" r:id="rId11"/>
-    <p:sldId id="274" r:id="rId12"/>
-    <p:sldId id="283" r:id="rId13"/>
-    <p:sldId id="271" r:id="rId14"/>
-    <p:sldId id="277" r:id="rId15"/>
+    <p:sldId id="287" r:id="rId10"/>
+    <p:sldId id="288" r:id="rId11"/>
+    <p:sldId id="283" r:id="rId12"/>
+    <p:sldId id="271" r:id="rId13"/>
+    <p:sldId id="277" r:id="rId14"/>
   </p:sldIdLst>
   <p:sldSz cx="12192000" cy="6858000"/>
   <p:notesSz cx="6858000" cy="9144000"/>
   <p:embeddedFontLst>
     <p:embeddedFont>
+      <p:font typeface="210 콤퓨타세탁 L" panose="02020603020101020101" pitchFamily="18" charset="-127"/>
+      <p:regular r:id="rId15"/>
+    </p:embeddedFont>
+    <p:embeddedFont>
       <p:font typeface="맑은 고딕" panose="020B0503020000020004" pitchFamily="50" charset="-127"/>
       <p:regular r:id="rId16"/>
       <p:bold r:id="rId17"/>
-    </p:embeddedFont>
-    <p:embeddedFont>
-      <p:font typeface="210 콤퓨타세탁 L" panose="02020603020101020101" pitchFamily="18" charset="-127"/>
-      <p:regular r:id="rId18"/>
     </p:embeddedFont>
   </p:embeddedFontLst>
   <p:defaultTextStyle>
@@ -130,7 +129,7 @@
   </p:defaultTextStyle>
   <p:extLst>
     <p:ext uri="{EFAFB233-063F-42B5-8137-9DF3F51BA10A}">
-      <p15:sldGuideLst xmlns:p15="http://schemas.microsoft.com/office/powerpoint/2012/main" xmlns="">
+      <p15:sldGuideLst xmlns:p15="http://schemas.microsoft.com/office/powerpoint/2012/main">
         <p15:guide id="1" orient="horz" pos="2160">
           <p15:clr>
             <a:srgbClr val="A4A3A4"/>
@@ -5255,7 +5254,7 @@
               <a:rPr lang="ko-KR" altLang="en-US" sz="4000" dirty="0" smtClean="0">
                 <a:latin typeface="+mn-ea"/>
               </a:rPr>
-              <a:t>진행 상황</a:t>
+              <a:t>향후 계획</a:t>
             </a:r>
             <a:endParaRPr lang="ko-KR" altLang="en-US" sz="4000" dirty="0">
               <a:latin typeface="+mn-ea"/>
@@ -5319,8 +5318,8 @@
         </p:nvSpPr>
         <p:spPr>
           <a:xfrm>
-            <a:off x="4007768" y="2780928"/>
-            <a:ext cx="1963999" cy="369332"/>
+            <a:off x="372553" y="2477795"/>
+            <a:ext cx="11392862" cy="2031325"/>
           </a:xfrm>
           <a:prstGeom prst="rect">
             <a:avLst/>
@@ -5333,13 +5332,110 @@
           </a:bodyPr>
           <a:lstStyle/>
           <a:p>
-            <a:r>
-              <a:rPr lang="ko-KR" altLang="en-US" smtClean="0">
-                <a:latin typeface="+mn-ea"/>
-              </a:rPr>
-              <a:t>데이터 분석 시연</a:t>
-            </a:r>
-            <a:endParaRPr lang="ko-KR" altLang="en-US" dirty="0" smtClean="0">
+            <a:pPr marL="342900" indent="-342900">
+              <a:lnSpc>
+                <a:spcPct val="150000"/>
+              </a:lnSpc>
+              <a:buSzPct val="140000"/>
+              <a:buFont typeface="+mj-lt"/>
+              <a:buAutoNum type="arabicPeriod"/>
+            </a:pPr>
+            <a:r>
+              <a:rPr lang="ko-KR" altLang="en-US" sz="2800" dirty="0" smtClean="0">
+                <a:latin typeface="+mn-ea"/>
+              </a:rPr>
+              <a:t> 데이터가 수집 되는대로 데이터 </a:t>
+            </a:r>
+            <a:r>
+              <a:rPr lang="ko-KR" altLang="en-US" sz="2800" dirty="0" smtClean="0">
+                <a:solidFill>
+                  <a:srgbClr val="FF9A8B"/>
+                </a:solidFill>
+                <a:latin typeface="+mn-ea"/>
+              </a:rPr>
+              <a:t>통합 후 분석</a:t>
+            </a:r>
+            <a:endParaRPr lang="en-US" altLang="ko-KR" sz="2800" dirty="0" smtClean="0">
+              <a:solidFill>
+                <a:srgbClr val="FF9A8B"/>
+              </a:solidFill>
+              <a:latin typeface="+mn-ea"/>
+            </a:endParaRPr>
+          </a:p>
+          <a:p>
+            <a:pPr marL="342900" indent="-342900">
+              <a:lnSpc>
+                <a:spcPct val="150000"/>
+              </a:lnSpc>
+              <a:buSzPct val="140000"/>
+              <a:buFont typeface="+mj-lt"/>
+              <a:buAutoNum type="arabicPeriod"/>
+            </a:pPr>
+            <a:endParaRPr lang="en-US" altLang="ko-KR" sz="2800" dirty="0">
+              <a:latin typeface="+mn-ea"/>
+            </a:endParaRPr>
+          </a:p>
+          <a:p>
+            <a:pPr marL="342900" indent="-342900">
+              <a:lnSpc>
+                <a:spcPct val="150000"/>
+              </a:lnSpc>
+              <a:buSzPct val="140000"/>
+              <a:buFont typeface="+mj-lt"/>
+              <a:buAutoNum type="arabicPeriod"/>
+            </a:pPr>
+            <a:r>
+              <a:rPr lang="ko-KR" altLang="en-US" sz="2800" dirty="0" smtClean="0">
+                <a:latin typeface="+mn-ea"/>
+              </a:rPr>
+              <a:t> 작성 완료된 </a:t>
+            </a:r>
+            <a:r>
+              <a:rPr lang="en-US" altLang="ko-KR" sz="2800" dirty="0" smtClean="0">
+                <a:latin typeface="+mn-ea"/>
+              </a:rPr>
+              <a:t>R</a:t>
+            </a:r>
+            <a:r>
+              <a:rPr lang="ko-KR" altLang="en-US" sz="2800" dirty="0" smtClean="0">
+                <a:latin typeface="+mn-ea"/>
+              </a:rPr>
+              <a:t>코드를 </a:t>
+            </a:r>
+            <a:r>
+              <a:rPr lang="ko-KR" altLang="en-US" sz="2800" dirty="0" err="1" smtClean="0">
+                <a:latin typeface="+mn-ea"/>
+              </a:rPr>
+              <a:t>파이썬</a:t>
+            </a:r>
+            <a:r>
+              <a:rPr lang="ko-KR" altLang="en-US" sz="2800" dirty="0" smtClean="0">
+                <a:latin typeface="+mn-ea"/>
+              </a:rPr>
+              <a:t> 환경에서 실행될 수 있게 </a:t>
+            </a:r>
+            <a:r>
+              <a:rPr lang="en-US" altLang="ko-KR" sz="2800" dirty="0" smtClean="0">
+                <a:solidFill>
+                  <a:srgbClr val="FF9A8B"/>
+                </a:solidFill>
+                <a:latin typeface="+mn-ea"/>
+              </a:rPr>
+              <a:t>rpy2</a:t>
+            </a:r>
+            <a:r>
+              <a:rPr lang="ko-KR" altLang="en-US" sz="2800" dirty="0" smtClean="0">
+                <a:solidFill>
+                  <a:srgbClr val="FF9A8B"/>
+                </a:solidFill>
+                <a:latin typeface="+mn-ea"/>
+              </a:rPr>
+              <a:t>로 작성</a:t>
+            </a:r>
+            <a:endParaRPr lang="en-US" altLang="ko-KR" sz="2800" dirty="0" smtClean="0">
+              <a:solidFill>
+                <a:srgbClr val="FF9A8B"/>
+              </a:solidFill>
               <a:latin typeface="+mn-ea"/>
             </a:endParaRPr>
           </a:p>
@@ -5348,7 +5444,7 @@
     </p:spTree>
     <p:extLst>
       <p:ext uri="{BB962C8B-B14F-4D97-AF65-F5344CB8AC3E}">
-        <p14:creationId xmlns:p14="http://schemas.microsoft.com/office/powerpoint/2010/main" val="3747500252"/>
+        <p14:creationId xmlns:p14="http://schemas.microsoft.com/office/powerpoint/2010/main" val="2804005595"/>
       </p:ext>
     </p:extLst>
   </p:cSld>
@@ -5439,7 +5535,7 @@
         <p:spPr>
           <a:xfrm>
             <a:off x="357351" y="190705"/>
-            <a:ext cx="2417650" cy="707886"/>
+            <a:ext cx="3624710" cy="707886"/>
           </a:xfrm>
           <a:prstGeom prst="rect">
             <a:avLst/>
@@ -5456,7 +5552,7 @@
               <a:rPr lang="ko-KR" altLang="en-US" sz="4000" dirty="0" smtClean="0">
                 <a:latin typeface="+mn-ea"/>
               </a:rPr>
-              <a:t>향후 계획</a:t>
+              <a:t>물품 구매 현황</a:t>
             </a:r>
             <a:endParaRPr lang="ko-KR" altLang="en-US" sz="4000" dirty="0">
               <a:latin typeface="+mn-ea"/>
@@ -5515,7 +5611,7 @@
     </p:spTree>
     <p:extLst>
       <p:ext uri="{BB962C8B-B14F-4D97-AF65-F5344CB8AC3E}">
-        <p14:creationId xmlns:p14="http://schemas.microsoft.com/office/powerpoint/2010/main" val="1504037518"/>
+        <p14:creationId xmlns:p14="http://schemas.microsoft.com/office/powerpoint/2010/main" val="1092654142"/>
       </p:ext>
     </p:extLst>
   </p:cSld>
@@ -5551,213 +5647,6 @@
       </p:grpSpPr>
       <p:sp>
         <p:nvSpPr>
-          <p:cNvPr id="4" name="사다리꼴 3"/>
-          <p:cNvSpPr/>
-          <p:nvPr/>
-        </p:nvSpPr>
-        <p:spPr>
-          <a:xfrm rot="10800000">
-            <a:off x="357351" y="0"/>
-            <a:ext cx="11424745" cy="105103"/>
-          </a:xfrm>
-          <a:prstGeom prst="trapezoid">
-            <a:avLst/>
-          </a:prstGeom>
-          <a:solidFill>
-            <a:srgbClr val="A4B1C4"/>
-          </a:solidFill>
-          <a:ln>
-            <a:noFill/>
-          </a:ln>
-        </p:spPr>
-        <p:style>
-          <a:lnRef idx="2">
-            <a:schemeClr val="accent1">
-              <a:shade val="50000"/>
-            </a:schemeClr>
-          </a:lnRef>
-          <a:fillRef idx="1">
-            <a:schemeClr val="accent1"/>
-          </a:fillRef>
-          <a:effectRef idx="0">
-            <a:schemeClr val="accent1"/>
-          </a:effectRef>
-          <a:fontRef idx="minor">
-            <a:schemeClr val="lt1"/>
-          </a:fontRef>
-        </p:style>
-        <p:txBody>
-          <a:bodyPr rtlCol="0" anchor="ctr"/>
-          <a:lstStyle/>
-          <a:p>
-            <a:pPr algn="ctr"/>
-            <a:endParaRPr lang="ko-KR" altLang="en-US">
-              <a:latin typeface="+mn-ea"/>
-            </a:endParaRPr>
-          </a:p>
-        </p:txBody>
-      </p:sp>
-      <p:sp>
-        <p:nvSpPr>
-          <p:cNvPr id="5" name="TextBox 4"/>
-          <p:cNvSpPr txBox="1"/>
-          <p:nvPr/>
-        </p:nvSpPr>
-        <p:spPr>
-          <a:xfrm>
-            <a:off x="357351" y="190705"/>
-            <a:ext cx="3624710" cy="707886"/>
-          </a:xfrm>
-          <a:prstGeom prst="rect">
-            <a:avLst/>
-          </a:prstGeom>
-          <a:noFill/>
-        </p:spPr>
-        <p:txBody>
-          <a:bodyPr wrap="none" rtlCol="0">
-            <a:spAutoFit/>
-          </a:bodyPr>
-          <a:lstStyle/>
-          <a:p>
-            <a:r>
-              <a:rPr lang="ko-KR" altLang="en-US" sz="4000" dirty="0" smtClean="0">
-                <a:latin typeface="+mn-ea"/>
-              </a:rPr>
-              <a:t>물품 구매 현황</a:t>
-            </a:r>
-            <a:endParaRPr lang="ko-KR" altLang="en-US" sz="4000" dirty="0">
-              <a:latin typeface="+mn-ea"/>
-            </a:endParaRPr>
-          </a:p>
-        </p:txBody>
-      </p:sp>
-      <p:sp>
-        <p:nvSpPr>
-          <p:cNvPr id="32" name="사다리꼴 31"/>
-          <p:cNvSpPr/>
-          <p:nvPr/>
-        </p:nvSpPr>
-        <p:spPr>
-          <a:xfrm rot="10800000" flipV="1">
-            <a:off x="357351" y="882938"/>
-            <a:ext cx="11424745" cy="105103"/>
-          </a:xfrm>
-          <a:prstGeom prst="trapezoid">
-            <a:avLst/>
-          </a:prstGeom>
-          <a:solidFill>
-            <a:srgbClr val="A4B1C4"/>
-          </a:solidFill>
-          <a:ln>
-            <a:noFill/>
-          </a:ln>
-        </p:spPr>
-        <p:style>
-          <a:lnRef idx="2">
-            <a:schemeClr val="accent1">
-              <a:shade val="50000"/>
-            </a:schemeClr>
-          </a:lnRef>
-          <a:fillRef idx="1">
-            <a:schemeClr val="accent1"/>
-          </a:fillRef>
-          <a:effectRef idx="0">
-            <a:schemeClr val="accent1"/>
-          </a:effectRef>
-          <a:fontRef idx="minor">
-            <a:schemeClr val="lt1"/>
-          </a:fontRef>
-        </p:style>
-        <p:txBody>
-          <a:bodyPr rtlCol="0" anchor="ctr"/>
-          <a:lstStyle/>
-          <a:p>
-            <a:pPr algn="ctr"/>
-            <a:endParaRPr lang="ko-KR" altLang="en-US">
-              <a:latin typeface="+mn-ea"/>
-            </a:endParaRPr>
-          </a:p>
-        </p:txBody>
-      </p:sp>
-      <p:sp>
-        <p:nvSpPr>
-          <p:cNvPr id="2" name="TextBox 1"/>
-          <p:cNvSpPr txBox="1"/>
-          <p:nvPr/>
-        </p:nvSpPr>
-        <p:spPr>
-          <a:xfrm>
-            <a:off x="3982061" y="2636912"/>
-            <a:ext cx="1963999" cy="369332"/>
-          </a:xfrm>
-          <a:prstGeom prst="rect">
-            <a:avLst/>
-          </a:prstGeom>
-          <a:noFill/>
-        </p:spPr>
-        <p:txBody>
-          <a:bodyPr wrap="none" rtlCol="0">
-            <a:spAutoFit/>
-          </a:bodyPr>
-          <a:lstStyle/>
-          <a:p>
-            <a:r>
-              <a:rPr lang="ko-KR" altLang="en-US" dirty="0" smtClean="0">
-                <a:latin typeface="+mn-ea"/>
-              </a:rPr>
-              <a:t>월요일쯤 신청 </a:t>
-            </a:r>
-            <a:r>
-              <a:rPr lang="ko-KR" altLang="en-US" dirty="0" err="1" smtClean="0">
-                <a:latin typeface="+mn-ea"/>
-              </a:rPr>
-              <a:t>ㄱ</a:t>
-            </a:r>
-            <a:endParaRPr lang="ko-KR" altLang="en-US" dirty="0" smtClean="0">
-              <a:latin typeface="+mn-ea"/>
-            </a:endParaRPr>
-          </a:p>
-        </p:txBody>
-      </p:sp>
-    </p:spTree>
-    <p:extLst>
-      <p:ext uri="{BB962C8B-B14F-4D97-AF65-F5344CB8AC3E}">
-        <p14:creationId xmlns:p14="http://schemas.microsoft.com/office/powerpoint/2010/main" val="1092654142"/>
-      </p:ext>
-    </p:extLst>
-  </p:cSld>
-  <p:clrMapOvr>
-    <a:masterClrMapping/>
-  </p:clrMapOvr>
-  <p:timing>
-    <p:tnLst>
-      <p:par>
-        <p:cTn id="1" dur="indefinite" restart="never" nodeType="tmRoot"/>
-      </p:par>
-    </p:tnLst>
-  </p:timing>
-</p:sld>
-</file>
-
-<file path=ppt/slides/slide13.xml><?xml version="1.0" encoding="utf-8"?>
-<p:sld xmlns:a="http://schemas.openxmlformats.org/drawingml/2006/main" xmlns:r="http://schemas.openxmlformats.org/officeDocument/2006/relationships" xmlns:p="http://schemas.openxmlformats.org/presentationml/2006/main">
-  <p:cSld>
-    <p:spTree>
-      <p:nvGrpSpPr>
-        <p:cNvPr id="1" name=""/>
-        <p:cNvGrpSpPr/>
-        <p:nvPr/>
-      </p:nvGrpSpPr>
-      <p:grpSpPr>
-        <a:xfrm>
-          <a:off x="0" y="0"/>
-          <a:ext cx="0" cy="0"/>
-          <a:chOff x="0" y="0"/>
-          <a:chExt cx="0" cy="0"/>
-        </a:xfrm>
-      </p:grpSpPr>
-      <p:sp>
-        <p:nvSpPr>
           <p:cNvPr id="5" name="직사각형 4"/>
           <p:cNvSpPr/>
           <p:nvPr/>
@@ -6007,7 +5896,7 @@
 </p:sld>
 </file>
 
-<file path=ppt/slides/slide14.xml><?xml version="1.0" encoding="utf-8"?>
+<file path=ppt/slides/slide13.xml><?xml version="1.0" encoding="utf-8"?>
 <p:sld xmlns:a="http://schemas.openxmlformats.org/drawingml/2006/main" xmlns:r="http://schemas.openxmlformats.org/officeDocument/2006/relationships" xmlns:p="http://schemas.openxmlformats.org/presentationml/2006/main">
   <p:cSld>
     <p:spTree>
@@ -10974,8 +10863,8 @@
         </p:nvSpPr>
         <p:spPr>
           <a:xfrm>
-            <a:off x="1199456" y="1700808"/>
-            <a:ext cx="9577064" cy="369332"/>
+            <a:off x="1271464" y="1700808"/>
+            <a:ext cx="9577064" cy="3416320"/>
           </a:xfrm>
           <a:prstGeom prst="rect">
             <a:avLst/>
@@ -10988,43 +10877,370 @@
           </a:bodyPr>
           <a:lstStyle/>
           <a:p>
-            <a:r>
-              <a:rPr lang="en-US" altLang="ko-KR" dirty="0" smtClean="0">
-                <a:latin typeface="+mn-ea"/>
-              </a:rPr>
-              <a:t>1. </a:t>
-            </a:r>
-            <a:r>
-              <a:rPr lang="ko-KR" altLang="en-US" dirty="0" smtClean="0">
+            <a:pPr marL="457200" indent="-457200">
+              <a:lnSpc>
+                <a:spcPct val="150000"/>
+              </a:lnSpc>
+              <a:buSzPct val="120000"/>
+              <a:buFont typeface="+mj-lt"/>
+              <a:buAutoNum type="arabicPeriod"/>
+            </a:pPr>
+            <a:r>
+              <a:rPr lang="ko-KR" altLang="en-US" sz="2400" dirty="0" smtClean="0">
+                <a:latin typeface="+mn-ea"/>
+              </a:rPr>
+              <a:t> </a:t>
+            </a:r>
+            <a:r>
+              <a:rPr lang="ko-KR" altLang="en-US" sz="2400" b="1" dirty="0" smtClean="0">
+                <a:solidFill>
+                  <a:srgbClr val="FF9A8B"/>
+                </a:solidFill>
                 <a:latin typeface="+mn-ea"/>
               </a:rPr>
               <a:t>시</a:t>
             </a:r>
             <a:r>
-              <a:rPr lang="en-US" altLang="ko-KR" dirty="0" smtClean="0">
-                <a:latin typeface="+mn-ea"/>
-              </a:rPr>
-              <a:t>,</a:t>
-            </a:r>
-            <a:r>
-              <a:rPr lang="ko-KR" altLang="en-US" dirty="0">
+              <a:rPr lang="en-US" altLang="ko-KR" sz="2400" b="1" dirty="0" smtClean="0">
+                <a:solidFill>
+                  <a:srgbClr val="FF9A8B"/>
+                </a:solidFill>
                 <a:latin typeface="+mn-ea"/>
               </a:rPr>
               <a:t> </a:t>
             </a:r>
             <a:r>
-              <a:rPr lang="ko-KR" altLang="en-US" dirty="0" smtClean="0">
-                <a:latin typeface="+mn-ea"/>
-              </a:rPr>
-              <a:t>도 별로 분류하여 각 지역의 </a:t>
-            </a:r>
-          </a:p>
-        </p:txBody>
-      </p:sp>
+              <a:rPr lang="en-US" altLang="ko-KR" sz="2400" b="1" dirty="0">
+                <a:solidFill>
+                  <a:srgbClr val="FF9A8B"/>
+                </a:solidFill>
+                <a:latin typeface="+mn-ea"/>
+              </a:rPr>
+              <a:t>· </a:t>
+            </a:r>
+            <a:r>
+              <a:rPr lang="ko-KR" altLang="en-US" sz="2400" b="1" dirty="0" smtClean="0">
+                <a:solidFill>
+                  <a:srgbClr val="FF9A8B"/>
+                </a:solidFill>
+                <a:latin typeface="+mn-ea"/>
+              </a:rPr>
+              <a:t>도</a:t>
+            </a:r>
+            <a:r>
+              <a:rPr lang="ko-KR" altLang="en-US" sz="2400" dirty="0" smtClean="0">
+                <a:latin typeface="+mn-ea"/>
+              </a:rPr>
+              <a:t> 별 및 </a:t>
+            </a:r>
+            <a:r>
+              <a:rPr lang="ko-KR" altLang="en-US" sz="2400" b="1" dirty="0" smtClean="0">
+                <a:solidFill>
+                  <a:srgbClr val="FF9A8B"/>
+                </a:solidFill>
+                <a:latin typeface="+mn-ea"/>
+              </a:rPr>
+              <a:t>시</a:t>
+            </a:r>
+            <a:r>
+              <a:rPr lang="en-US" altLang="ko-KR" sz="2400" b="1" dirty="0">
+                <a:solidFill>
+                  <a:srgbClr val="FF9A8B"/>
+                </a:solidFill>
+                <a:latin typeface="+mn-ea"/>
+              </a:rPr>
+              <a:t> · </a:t>
+            </a:r>
+            <a:r>
+              <a:rPr lang="ko-KR" altLang="en-US" sz="2400" b="1" dirty="0" smtClean="0">
+                <a:solidFill>
+                  <a:srgbClr val="FF9A8B"/>
+                </a:solidFill>
+                <a:latin typeface="+mn-ea"/>
+              </a:rPr>
+              <a:t>군</a:t>
+            </a:r>
+            <a:r>
+              <a:rPr lang="en-US" altLang="ko-KR" sz="2400" b="1" dirty="0">
+                <a:solidFill>
+                  <a:srgbClr val="FF9A8B"/>
+                </a:solidFill>
+                <a:latin typeface="+mn-ea"/>
+              </a:rPr>
+              <a:t> · </a:t>
+            </a:r>
+            <a:r>
+              <a:rPr lang="ko-KR" altLang="en-US" sz="2400" b="1" dirty="0" smtClean="0">
+                <a:solidFill>
+                  <a:srgbClr val="FF9A8B"/>
+                </a:solidFill>
+                <a:latin typeface="+mn-ea"/>
+              </a:rPr>
+              <a:t>구</a:t>
+            </a:r>
+            <a:r>
+              <a:rPr lang="ko-KR" altLang="en-US" sz="2400" dirty="0" smtClean="0">
+                <a:latin typeface="+mn-ea"/>
+              </a:rPr>
+              <a:t> 별로 각 지역의 병원 분류</a:t>
+            </a:r>
+            <a:endParaRPr lang="en-US" altLang="ko-KR" sz="2400" dirty="0" smtClean="0">
+              <a:latin typeface="+mn-ea"/>
+            </a:endParaRPr>
+          </a:p>
+          <a:p>
+            <a:pPr marL="457200" indent="-457200">
+              <a:lnSpc>
+                <a:spcPct val="150000"/>
+              </a:lnSpc>
+              <a:buSzPct val="120000"/>
+              <a:buFont typeface="+mj-lt"/>
+              <a:buAutoNum type="arabicPeriod"/>
+            </a:pPr>
+            <a:endParaRPr lang="en-US" altLang="ko-KR" sz="2400" dirty="0" smtClean="0">
+              <a:latin typeface="+mn-ea"/>
+            </a:endParaRPr>
+          </a:p>
+          <a:p>
+            <a:pPr marL="457200" indent="-457200">
+              <a:lnSpc>
+                <a:spcPct val="150000"/>
+              </a:lnSpc>
+              <a:buSzPct val="120000"/>
+              <a:buFont typeface="+mj-lt"/>
+              <a:buAutoNum type="arabicPeriod"/>
+            </a:pPr>
+            <a:endParaRPr lang="en-US" altLang="ko-KR" sz="2400" dirty="0" smtClean="0">
+              <a:latin typeface="+mn-ea"/>
+            </a:endParaRPr>
+          </a:p>
+          <a:p>
+            <a:pPr marL="457200" indent="-457200">
+              <a:lnSpc>
+                <a:spcPct val="150000"/>
+              </a:lnSpc>
+              <a:buSzPct val="120000"/>
+              <a:buFont typeface="+mj-lt"/>
+              <a:buAutoNum type="arabicPeriod"/>
+            </a:pPr>
+            <a:endParaRPr lang="en-US" altLang="ko-KR" sz="2400" dirty="0" smtClean="0">
+              <a:latin typeface="+mn-ea"/>
+            </a:endParaRPr>
+          </a:p>
+          <a:p>
+            <a:pPr marL="457200" indent="-457200">
+              <a:lnSpc>
+                <a:spcPct val="150000"/>
+              </a:lnSpc>
+              <a:buSzPct val="120000"/>
+              <a:buFont typeface="+mj-lt"/>
+              <a:buAutoNum type="arabicPeriod"/>
+            </a:pPr>
+            <a:r>
+              <a:rPr lang="ko-KR" altLang="en-US" sz="2400" dirty="0" smtClean="0">
+                <a:latin typeface="+mn-ea"/>
+              </a:rPr>
+              <a:t> 사용자의 </a:t>
+            </a:r>
+            <a:r>
+              <a:rPr lang="ko-KR" altLang="en-US" sz="2400" b="1" dirty="0" smtClean="0">
+                <a:solidFill>
+                  <a:srgbClr val="FF9A8B"/>
+                </a:solidFill>
+                <a:latin typeface="+mn-ea"/>
+              </a:rPr>
+              <a:t>위치를 기반</a:t>
+            </a:r>
+            <a:r>
+              <a:rPr lang="ko-KR" altLang="en-US" sz="2400" dirty="0" smtClean="0">
+                <a:latin typeface="+mn-ea"/>
+              </a:rPr>
+              <a:t>으로 평가등급이 높은 병원 중 해당 질병에 대한 진료를 하는 병원 추출</a:t>
+            </a:r>
+            <a:endParaRPr lang="en-US" altLang="ko-KR" sz="2400" dirty="0" smtClean="0">
+              <a:latin typeface="+mn-ea"/>
+            </a:endParaRPr>
+          </a:p>
+        </p:txBody>
+      </p:sp>
+      <p:sp>
+        <p:nvSpPr>
+          <p:cNvPr id="7" name="직사각형 6"/>
+          <p:cNvSpPr/>
+          <p:nvPr/>
+        </p:nvSpPr>
+        <p:spPr>
+          <a:xfrm>
+            <a:off x="407368" y="1196752"/>
+            <a:ext cx="2880319" cy="584217"/>
+          </a:xfrm>
+          <a:prstGeom prst="rect">
+            <a:avLst/>
+          </a:prstGeom>
+          <a:solidFill>
+            <a:srgbClr val="404551">
+              <a:alpha val="90000"/>
+            </a:srgbClr>
+          </a:solidFill>
+          <a:ln>
+            <a:noFill/>
+          </a:ln>
+        </p:spPr>
+        <p:style>
+          <a:lnRef idx="2">
+            <a:schemeClr val="accent1">
+              <a:shade val="50000"/>
+            </a:schemeClr>
+          </a:lnRef>
+          <a:fillRef idx="1">
+            <a:schemeClr val="accent1"/>
+          </a:fillRef>
+          <a:effectRef idx="0">
+            <a:schemeClr val="accent1"/>
+          </a:effectRef>
+          <a:fontRef idx="minor">
+            <a:schemeClr val="lt1"/>
+          </a:fontRef>
+        </p:style>
+        <p:txBody>
+          <a:bodyPr rtlCol="0" anchor="ctr"/>
+          <a:lstStyle/>
+          <a:p>
+            <a:pPr algn="ctr"/>
+            <a:r>
+              <a:rPr lang="ko-KR" altLang="en-US" sz="2400" b="1" smtClean="0">
+                <a:latin typeface="+mn-ea"/>
+              </a:rPr>
+              <a:t>분석 기준 및 방법</a:t>
+            </a:r>
+            <a:endParaRPr lang="ko-KR" altLang="en-US" sz="2400" b="1" dirty="0">
+              <a:latin typeface="+mn-ea"/>
+            </a:endParaRPr>
+          </a:p>
+        </p:txBody>
+      </p:sp>
+      <p:pic>
+        <p:nvPicPr>
+          <p:cNvPr id="6" name="그림 5"/>
+          <p:cNvPicPr>
+            <a:picLocks noChangeAspect="1"/>
+          </p:cNvPicPr>
+          <p:nvPr/>
+        </p:nvPicPr>
+        <p:blipFill rotWithShape="1">
+          <a:blip r:embed="rId2"/>
+          <a:srcRect l="3812" t="15350" r="45494" b="65750"/>
+          <a:stretch/>
+        </p:blipFill>
+        <p:spPr>
+          <a:xfrm>
+            <a:off x="2063552" y="2493735"/>
+            <a:ext cx="3240360" cy="1296144"/>
+          </a:xfrm>
+          <a:prstGeom prst="rect">
+            <a:avLst/>
+          </a:prstGeom>
+        </p:spPr>
+      </p:pic>
+      <p:pic>
+        <p:nvPicPr>
+          <p:cNvPr id="8" name="그림 7"/>
+          <p:cNvPicPr>
+            <a:picLocks noChangeAspect="1"/>
+          </p:cNvPicPr>
+          <p:nvPr/>
+        </p:nvPicPr>
+        <p:blipFill rotWithShape="1">
+          <a:blip r:embed="rId3"/>
+          <a:srcRect l="3812" t="47900" r="45494" b="30051"/>
+          <a:stretch/>
+        </p:blipFill>
+        <p:spPr>
+          <a:xfrm>
+            <a:off x="6419474" y="2385723"/>
+            <a:ext cx="3240360" cy="1512168"/>
+          </a:xfrm>
+          <a:prstGeom prst="rect">
+            <a:avLst/>
+          </a:prstGeom>
+        </p:spPr>
+      </p:pic>
+      <p:sp>
+        <p:nvSpPr>
+          <p:cNvPr id="9" name="오른쪽 화살표 8"/>
+          <p:cNvSpPr/>
+          <p:nvPr/>
+        </p:nvSpPr>
+        <p:spPr>
+          <a:xfrm>
+            <a:off x="5600567" y="2945374"/>
+            <a:ext cx="518073" cy="392866"/>
+          </a:xfrm>
+          <a:prstGeom prst="rightArrow">
+            <a:avLst>
+              <a:gd name="adj1" fmla="val 35255"/>
+              <a:gd name="adj2" fmla="val 50000"/>
+            </a:avLst>
+          </a:prstGeom>
+          <a:solidFill>
+            <a:srgbClr val="404551"/>
+          </a:solidFill>
+          <a:ln>
+            <a:noFill/>
+          </a:ln>
+        </p:spPr>
+        <p:style>
+          <a:lnRef idx="2">
+            <a:schemeClr val="accent1">
+              <a:shade val="50000"/>
+            </a:schemeClr>
+          </a:lnRef>
+          <a:fillRef idx="1">
+            <a:schemeClr val="accent1"/>
+          </a:fillRef>
+          <a:effectRef idx="0">
+            <a:schemeClr val="accent1"/>
+          </a:effectRef>
+          <a:fontRef idx="minor">
+            <a:schemeClr val="lt1"/>
+          </a:fontRef>
+        </p:style>
+        <p:txBody>
+          <a:bodyPr rtlCol="0" anchor="ctr"/>
+          <a:lstStyle/>
+          <a:p>
+            <a:pPr algn="ctr"/>
+            <a:endParaRPr lang="ko-KR" altLang="en-US"/>
+          </a:p>
+        </p:txBody>
+      </p:sp>
+      <p:pic>
+        <p:nvPicPr>
+          <p:cNvPr id="10" name="그림 9"/>
+          <p:cNvPicPr>
+            <a:picLocks noChangeAspect="1"/>
+          </p:cNvPicPr>
+          <p:nvPr/>
+        </p:nvPicPr>
+        <p:blipFill rotWithShape="1">
+          <a:blip r:embed="rId4"/>
+          <a:srcRect l="9838" t="66514" r="44094" b="11217"/>
+          <a:stretch/>
+        </p:blipFill>
+        <p:spPr>
+          <a:xfrm>
+            <a:off x="3215680" y="5068822"/>
+            <a:ext cx="5616624" cy="1456522"/>
+          </a:xfrm>
+          <a:prstGeom prst="rect">
+            <a:avLst/>
+          </a:prstGeom>
+        </p:spPr>
+      </p:pic>
     </p:spTree>
     <p:extLst>
       <p:ext uri="{BB962C8B-B14F-4D97-AF65-F5344CB8AC3E}">
-        <p14:creationId xmlns:p14="http://schemas.microsoft.com/office/powerpoint/2010/main" val="1908789300"/>
+        <p14:creationId xmlns:p14="http://schemas.microsoft.com/office/powerpoint/2010/main" val="3445984909"/>
       </p:ext>
     </p:extLst>
   </p:cSld>
@@ -11313,7 +11529,7 @@
   <a:extraClrSchemeLst/>
   <a:extLst>
     <a:ext uri="{05A4C25C-085E-4340-85A3-A5531E510DB2}">
-      <thm15:themeFamily xmlns:thm15="http://schemas.microsoft.com/office/thememl/2012/main" xmlns="" name="Office Theme" id="{62F939B6-93AF-4DB8-9C6B-D6C7DFDC589F}" vid="{4A3C46E8-61CC-4603-A589-7422A47A8E4A}"/>
+      <thm15:themeFamily xmlns:thm15="http://schemas.microsoft.com/office/thememl/2012/main" name="Office Theme" id="{62F939B6-93AF-4DB8-9C6B-D6C7DFDC589F}" vid="{4A3C46E8-61CC-4603-A589-7422A47A8E4A}"/>
     </a:ext>
   </a:extLst>
 </a:theme>

--- a/ppt/4주차 발표_3조.pptx
+++ b/ppt/4주차 발표_3조.pptx
@@ -129,7 +129,7 @@
   </p:defaultTextStyle>
   <p:extLst>
     <p:ext uri="{EFAFB233-063F-42B5-8137-9DF3F51BA10A}">
-      <p15:sldGuideLst xmlns:p15="http://schemas.microsoft.com/office/powerpoint/2012/main">
+      <p15:sldGuideLst xmlns:p15="http://schemas.microsoft.com/office/powerpoint/2012/main" xmlns="">
         <p15:guide id="1" orient="horz" pos="2160">
           <p15:clr>
             <a:srgbClr val="A4A3A4"/>
@@ -277,7 +277,7 @@
           <a:p>
             <a:fld id="{D7DA7775-1B4C-4C00-899D-B495F350D141}" type="datetimeFigureOut">
               <a:rPr lang="ko-KR" altLang="en-US" smtClean="0"/>
-              <a:t>2018-04-09</a:t>
+              <a:t>2018-04-11</a:t>
             </a:fld>
             <a:endParaRPr lang="ko-KR" altLang="en-US"/>
           </a:p>
@@ -447,7 +447,7 @@
           <a:p>
             <a:fld id="{D7DA7775-1B4C-4C00-899D-B495F350D141}" type="datetimeFigureOut">
               <a:rPr lang="ko-KR" altLang="en-US" smtClean="0"/>
-              <a:t>2018-04-09</a:t>
+              <a:t>2018-04-11</a:t>
             </a:fld>
             <a:endParaRPr lang="ko-KR" altLang="en-US"/>
           </a:p>
@@ -627,7 +627,7 @@
           <a:p>
             <a:fld id="{D7DA7775-1B4C-4C00-899D-B495F350D141}" type="datetimeFigureOut">
               <a:rPr lang="ko-KR" altLang="en-US" smtClean="0"/>
-              <a:t>2018-04-09</a:t>
+              <a:t>2018-04-11</a:t>
             </a:fld>
             <a:endParaRPr lang="ko-KR" altLang="en-US"/>
           </a:p>
@@ -797,7 +797,7 @@
           <a:p>
             <a:fld id="{D7DA7775-1B4C-4C00-899D-B495F350D141}" type="datetimeFigureOut">
               <a:rPr lang="ko-KR" altLang="en-US" smtClean="0"/>
-              <a:t>2018-04-09</a:t>
+              <a:t>2018-04-11</a:t>
             </a:fld>
             <a:endParaRPr lang="ko-KR" altLang="en-US"/>
           </a:p>
@@ -1043,7 +1043,7 @@
           <a:p>
             <a:fld id="{D7DA7775-1B4C-4C00-899D-B495F350D141}" type="datetimeFigureOut">
               <a:rPr lang="ko-KR" altLang="en-US" smtClean="0"/>
-              <a:t>2018-04-09</a:t>
+              <a:t>2018-04-11</a:t>
             </a:fld>
             <a:endParaRPr lang="ko-KR" altLang="en-US"/>
           </a:p>
@@ -1275,7 +1275,7 @@
           <a:p>
             <a:fld id="{D7DA7775-1B4C-4C00-899D-B495F350D141}" type="datetimeFigureOut">
               <a:rPr lang="ko-KR" altLang="en-US" smtClean="0"/>
-              <a:t>2018-04-09</a:t>
+              <a:t>2018-04-11</a:t>
             </a:fld>
             <a:endParaRPr lang="ko-KR" altLang="en-US"/>
           </a:p>
@@ -1642,7 +1642,7 @@
           <a:p>
             <a:fld id="{D7DA7775-1B4C-4C00-899D-B495F350D141}" type="datetimeFigureOut">
               <a:rPr lang="ko-KR" altLang="en-US" smtClean="0"/>
-              <a:t>2018-04-09</a:t>
+              <a:t>2018-04-11</a:t>
             </a:fld>
             <a:endParaRPr lang="ko-KR" altLang="en-US"/>
           </a:p>
@@ -1760,7 +1760,7 @@
           <a:p>
             <a:fld id="{D7DA7775-1B4C-4C00-899D-B495F350D141}" type="datetimeFigureOut">
               <a:rPr lang="ko-KR" altLang="en-US" smtClean="0"/>
-              <a:t>2018-04-09</a:t>
+              <a:t>2018-04-11</a:t>
             </a:fld>
             <a:endParaRPr lang="ko-KR" altLang="en-US"/>
           </a:p>
@@ -1855,7 +1855,7 @@
           <a:p>
             <a:fld id="{D7DA7775-1B4C-4C00-899D-B495F350D141}" type="datetimeFigureOut">
               <a:rPr lang="ko-KR" altLang="en-US" smtClean="0"/>
-              <a:t>2018-04-09</a:t>
+              <a:t>2018-04-11</a:t>
             </a:fld>
             <a:endParaRPr lang="ko-KR" altLang="en-US"/>
           </a:p>
@@ -2132,7 +2132,7 @@
           <a:p>
             <a:fld id="{D7DA7775-1B4C-4C00-899D-B495F350D141}" type="datetimeFigureOut">
               <a:rPr lang="ko-KR" altLang="en-US" smtClean="0"/>
-              <a:t>2018-04-09</a:t>
+              <a:t>2018-04-11</a:t>
             </a:fld>
             <a:endParaRPr lang="ko-KR" altLang="en-US"/>
           </a:p>
@@ -2385,7 +2385,7 @@
           <a:p>
             <a:fld id="{D7DA7775-1B4C-4C00-899D-B495F350D141}" type="datetimeFigureOut">
               <a:rPr lang="ko-KR" altLang="en-US" smtClean="0"/>
-              <a:t>2018-04-09</a:t>
+              <a:t>2018-04-11</a:t>
             </a:fld>
             <a:endParaRPr lang="ko-KR" altLang="en-US"/>
           </a:p>
@@ -2598,7 +2598,7 @@
           <a:p>
             <a:fld id="{D7DA7775-1B4C-4C00-899D-B495F350D141}" type="datetimeFigureOut">
               <a:rPr lang="ko-KR" altLang="en-US" smtClean="0"/>
-              <a:t>2018-04-09</a:t>
+              <a:t>2018-04-11</a:t>
             </a:fld>
             <a:endParaRPr lang="ko-KR" altLang="en-US"/>
           </a:p>
@@ -3084,7 +3084,7 @@
           <a:lstStyle/>
           <a:p>
             <a:r>
-              <a:rPr lang="ko-KR" altLang="en-US" sz="6000" dirty="0" smtClean="0">
+              <a:rPr lang="ko-KR" altLang="en-US" sz="6000" b="1" dirty="0" smtClean="0">
                 <a:solidFill>
                   <a:schemeClr val="bg1"/>
                 </a:solidFill>
@@ -3093,7 +3093,7 @@
               <a:t>국내의 좋은 병원을 알려줘</a:t>
             </a:r>
             <a:r>
-              <a:rPr lang="en-US" altLang="ko-KR" sz="6000" dirty="0" smtClean="0">
+              <a:rPr lang="en-US" altLang="ko-KR" sz="6000" b="1" dirty="0" smtClean="0">
                 <a:solidFill>
                   <a:schemeClr val="bg1"/>
                 </a:solidFill>
@@ -3101,7 +3101,7 @@
               </a:rPr>
               <a:t>!!</a:t>
             </a:r>
-            <a:endParaRPr lang="ko-KR" altLang="en-US" sz="6000" dirty="0">
+            <a:endParaRPr lang="ko-KR" altLang="en-US" sz="6000" b="1" dirty="0">
               <a:solidFill>
                 <a:schemeClr val="bg1"/>
               </a:solidFill>
@@ -3183,12 +3183,12 @@
           <a:lstStyle/>
           <a:p>
             <a:r>
-              <a:rPr lang="ko-KR" altLang="en-US" sz="3000" dirty="0" smtClean="0">
+              <a:rPr lang="ko-KR" altLang="en-US" sz="3000" b="1" dirty="0" smtClean="0">
                 <a:latin typeface="+mn-ea"/>
               </a:rPr>
               <a:t>공공데이터를 활용한 의료 웹 서비스</a:t>
             </a:r>
-            <a:endParaRPr lang="ko-KR" altLang="en-US" sz="3000" dirty="0">
+            <a:endParaRPr lang="ko-KR" altLang="en-US" sz="3000" b="1" dirty="0">
               <a:latin typeface="+mn-ea"/>
             </a:endParaRPr>
           </a:p>
@@ -5222,7 +5222,7 @@
           <a:lstStyle/>
           <a:p>
             <a:pPr algn="ctr"/>
-            <a:endParaRPr lang="ko-KR" altLang="en-US">
+            <a:endParaRPr lang="ko-KR" altLang="en-US" b="1">
               <a:latin typeface="+mn-ea"/>
             </a:endParaRPr>
           </a:p>
@@ -5251,12 +5251,12 @@
           <a:lstStyle/>
           <a:p>
             <a:r>
-              <a:rPr lang="ko-KR" altLang="en-US" sz="4000" dirty="0" smtClean="0">
+              <a:rPr lang="ko-KR" altLang="en-US" sz="4000" b="1" dirty="0" smtClean="0">
                 <a:latin typeface="+mn-ea"/>
               </a:rPr>
               <a:t>향후 계획</a:t>
             </a:r>
-            <a:endParaRPr lang="ko-KR" altLang="en-US" sz="4000" dirty="0">
+            <a:endParaRPr lang="ko-KR" altLang="en-US" sz="4000" b="1" dirty="0">
               <a:latin typeface="+mn-ea"/>
             </a:endParaRPr>
           </a:p>
@@ -5304,7 +5304,7 @@
           <a:lstStyle/>
           <a:p>
             <a:pPr algn="ctr"/>
-            <a:endParaRPr lang="ko-KR" altLang="en-US">
+            <a:endParaRPr lang="ko-KR" altLang="en-US" b="1">
               <a:latin typeface="+mn-ea"/>
             </a:endParaRPr>
           </a:p>
@@ -5319,7 +5319,7 @@
         <p:spPr>
           <a:xfrm>
             <a:off x="372553" y="2477795"/>
-            <a:ext cx="11392862" cy="2031325"/>
+            <a:ext cx="11492249" cy="1948034"/>
           </a:xfrm>
           <a:prstGeom prst="rect">
             <a:avLst/>
@@ -5341,13 +5341,13 @@
               <a:buAutoNum type="arabicPeriod"/>
             </a:pPr>
             <a:r>
-              <a:rPr lang="ko-KR" altLang="en-US" sz="2800" dirty="0" smtClean="0">
+              <a:rPr lang="ko-KR" altLang="en-US" sz="2800" b="1" dirty="0" smtClean="0">
                 <a:latin typeface="+mn-ea"/>
               </a:rPr>
               <a:t> 데이터가 수집 되는대로 데이터 </a:t>
             </a:r>
             <a:r>
-              <a:rPr lang="ko-KR" altLang="en-US" sz="2800" dirty="0" smtClean="0">
+              <a:rPr lang="ko-KR" altLang="en-US" sz="2800" b="1" dirty="0" smtClean="0">
                 <a:solidFill>
                   <a:srgbClr val="FF9A8B"/>
                 </a:solidFill>
@@ -5355,7 +5355,7 @@
               </a:rPr>
               <a:t>통합 후 분석</a:t>
             </a:r>
-            <a:endParaRPr lang="en-US" altLang="ko-KR" sz="2800" dirty="0" smtClean="0">
+            <a:endParaRPr lang="en-US" altLang="ko-KR" sz="2800" b="1" dirty="0" smtClean="0">
               <a:solidFill>
                 <a:srgbClr val="FF9A8B"/>
               </a:solidFill>
@@ -5371,7 +5371,7 @@
               <a:buFont typeface="+mj-lt"/>
               <a:buAutoNum type="arabicPeriod"/>
             </a:pPr>
-            <a:endParaRPr lang="en-US" altLang="ko-KR" sz="2800" dirty="0">
+            <a:endParaRPr lang="en-US" altLang="ko-KR" sz="2800" b="1" dirty="0">
               <a:latin typeface="+mn-ea"/>
             </a:endParaRPr>
           </a:p>
@@ -5385,37 +5385,37 @@
               <a:buAutoNum type="arabicPeriod"/>
             </a:pPr>
             <a:r>
-              <a:rPr lang="ko-KR" altLang="en-US" sz="2800" dirty="0" smtClean="0">
+              <a:rPr lang="ko-KR" altLang="en-US" sz="2800" b="1" dirty="0" smtClean="0">
                 <a:latin typeface="+mn-ea"/>
               </a:rPr>
               <a:t> 작성 완료된 </a:t>
             </a:r>
             <a:r>
-              <a:rPr lang="en-US" altLang="ko-KR" sz="2800" dirty="0" smtClean="0">
+              <a:rPr lang="en-US" altLang="ko-KR" sz="2800" b="1" dirty="0" smtClean="0">
                 <a:latin typeface="+mn-ea"/>
               </a:rPr>
               <a:t>R</a:t>
             </a:r>
             <a:r>
-              <a:rPr lang="ko-KR" altLang="en-US" sz="2800" dirty="0" smtClean="0">
+              <a:rPr lang="ko-KR" altLang="en-US" sz="2800" b="1" dirty="0" smtClean="0">
                 <a:latin typeface="+mn-ea"/>
               </a:rPr>
               <a:t>코드를 </a:t>
             </a:r>
             <a:r>
-              <a:rPr lang="ko-KR" altLang="en-US" sz="2800" dirty="0" err="1" smtClean="0">
+              <a:rPr lang="ko-KR" altLang="en-US" sz="2800" b="1" dirty="0" err="1" smtClean="0">
                 <a:latin typeface="+mn-ea"/>
               </a:rPr>
               <a:t>파이썬</a:t>
             </a:r>
             <a:r>
-              <a:rPr lang="ko-KR" altLang="en-US" sz="2800" dirty="0" smtClean="0">
+              <a:rPr lang="ko-KR" altLang="en-US" sz="2800" b="1" dirty="0" smtClean="0">
                 <a:latin typeface="+mn-ea"/>
               </a:rPr>
               <a:t> 환경에서 실행될 수 있게 </a:t>
             </a:r>
             <a:r>
-              <a:rPr lang="en-US" altLang="ko-KR" sz="2800" dirty="0" smtClean="0">
+              <a:rPr lang="en-US" altLang="ko-KR" sz="2800" b="1" dirty="0" smtClean="0">
                 <a:solidFill>
                   <a:srgbClr val="FF9A8B"/>
                 </a:solidFill>
@@ -5424,7 +5424,7 @@
               <a:t>rpy2</a:t>
             </a:r>
             <a:r>
-              <a:rPr lang="ko-KR" altLang="en-US" sz="2800" dirty="0" smtClean="0">
+              <a:rPr lang="ko-KR" altLang="en-US" sz="2800" b="1" dirty="0" smtClean="0">
                 <a:solidFill>
                   <a:srgbClr val="FF9A8B"/>
                 </a:solidFill>
@@ -5432,7 +5432,7 @@
               </a:rPr>
               <a:t>로 작성</a:t>
             </a:r>
-            <a:endParaRPr lang="en-US" altLang="ko-KR" sz="2800" dirty="0" smtClean="0">
+            <a:endParaRPr lang="en-US" altLang="ko-KR" sz="2800" b="1" dirty="0" smtClean="0">
               <a:solidFill>
                 <a:srgbClr val="FF9A8B"/>
               </a:solidFill>
@@ -5549,12 +5549,12 @@
           <a:lstStyle/>
           <a:p>
             <a:r>
-              <a:rPr lang="ko-KR" altLang="en-US" sz="4000" dirty="0" smtClean="0">
+              <a:rPr lang="ko-KR" altLang="en-US" sz="4000" b="1" dirty="0" smtClean="0">
                 <a:latin typeface="+mn-ea"/>
               </a:rPr>
               <a:t>물품 구매 현황</a:t>
             </a:r>
-            <a:endParaRPr lang="ko-KR" altLang="en-US" sz="4000" dirty="0">
+            <a:endParaRPr lang="ko-KR" altLang="en-US" sz="4000" b="1" dirty="0">
               <a:latin typeface="+mn-ea"/>
             </a:endParaRPr>
           </a:p>
@@ -5832,7 +5832,9 @@
       </p:sp>
       <p:sp>
         <p:nvSpPr>
-          <p:cNvPr id="3" name="TextBox 2"/>
+          <p:cNvPr id="3" name="TextBox 2">
+            <a:hlinkClick r:id="rId2"/>
+          </p:cNvPr>
           <p:cNvSpPr txBox="1"/>
           <p:nvPr/>
         </p:nvSpPr>
@@ -6494,12 +6496,12 @@
           <a:lstStyle/>
           <a:p>
             <a:r>
-              <a:rPr lang="ko-KR" altLang="en-US" sz="4000" dirty="0" smtClean="0">
+              <a:rPr lang="ko-KR" altLang="en-US" sz="4000" b="1" dirty="0" smtClean="0">
                 <a:latin typeface="+mn-ea"/>
               </a:rPr>
               <a:t>시스템 레이아웃</a:t>
             </a:r>
-            <a:endParaRPr lang="ko-KR" altLang="en-US" sz="4000" dirty="0">
+            <a:endParaRPr lang="ko-KR" altLang="en-US" sz="4000" b="1" dirty="0">
               <a:latin typeface="+mn-ea"/>
             </a:endParaRPr>
           </a:p>
@@ -6547,7 +6549,7 @@
           <a:lstStyle/>
           <a:p>
             <a:pPr algn="ctr"/>
-            <a:endParaRPr lang="ko-KR" altLang="en-US">
+            <a:endParaRPr lang="ko-KR" altLang="en-US" b="1">
               <a:latin typeface="+mn-ea"/>
             </a:endParaRPr>
           </a:p>
@@ -6977,7 +6979,7 @@
                 <a:sym typeface="Helvetica Neue Medium"/>
               </a:defRPr>
             </a:pPr>
-            <a:endParaRPr>
+            <a:endParaRPr b="1">
               <a:latin typeface="+mn-ea"/>
             </a:endParaRPr>
           </a:p>
@@ -7152,7 +7154,7 @@
                 <a:sym typeface="Helvetica Neue Medium"/>
               </a:defRPr>
             </a:pPr>
-            <a:endParaRPr>
+            <a:endParaRPr b="1">
               <a:latin typeface="+mn-ea"/>
             </a:endParaRPr>
           </a:p>
@@ -7195,7 +7197,7 @@
                 <a:sym typeface="Helvetica Neue Medium"/>
               </a:defRPr>
             </a:pPr>
-            <a:endParaRPr>
+            <a:endParaRPr b="1">
               <a:latin typeface="+mn-ea"/>
             </a:endParaRPr>
           </a:p>
@@ -7238,7 +7240,7 @@
                 <a:sym typeface="Helvetica Neue Medium"/>
               </a:defRPr>
             </a:pPr>
-            <a:endParaRPr>
+            <a:endParaRPr b="1">
               <a:latin typeface="+mn-ea"/>
             </a:endParaRPr>
           </a:p>
@@ -7281,7 +7283,7 @@
                 <a:sym typeface="Helvetica Neue Medium"/>
               </a:defRPr>
             </a:pPr>
-            <a:endParaRPr>
+            <a:endParaRPr b="1">
               <a:latin typeface="+mn-ea"/>
             </a:endParaRPr>
           </a:p>
@@ -7382,7 +7384,7 @@
                 <a:sym typeface="Helvetica Neue Medium"/>
               </a:defRPr>
             </a:pPr>
-            <a:endParaRPr>
+            <a:endParaRPr b="1">
               <a:latin typeface="+mn-ea"/>
             </a:endParaRPr>
           </a:p>
@@ -7425,7 +7427,7 @@
                 <a:sym typeface="Helvetica Neue Medium"/>
               </a:defRPr>
             </a:pPr>
-            <a:endParaRPr>
+            <a:endParaRPr b="1">
               <a:latin typeface="+mn-ea"/>
             </a:endParaRPr>
           </a:p>
@@ -7454,7 +7456,7 @@
           <a:lstStyle/>
           <a:p>
             <a:r>
-              <a:rPr lang="ko-KR" altLang="en-US" dirty="0" smtClean="0">
+              <a:rPr lang="ko-KR" altLang="en-US" b="1" dirty="0" smtClean="0">
                 <a:solidFill>
                   <a:srgbClr val="00B050"/>
                 </a:solidFill>
@@ -7463,7 +7465,7 @@
               <a:t>예</a:t>
             </a:r>
             <a:r>
-              <a:rPr lang="en-US" altLang="ko-KR" dirty="0" smtClean="0">
+              <a:rPr lang="en-US" altLang="ko-KR" b="1" dirty="0" smtClean="0">
                 <a:solidFill>
                   <a:srgbClr val="00B050"/>
                 </a:solidFill>
@@ -7472,7 +7474,7 @@
               <a:t>. </a:t>
             </a:r>
             <a:r>
-              <a:rPr lang="ko-KR" altLang="en-US" dirty="0" smtClean="0">
+              <a:rPr lang="ko-KR" altLang="en-US" b="1" dirty="0" smtClean="0">
                 <a:solidFill>
                   <a:srgbClr val="00B050"/>
                 </a:solidFill>
@@ -7506,7 +7508,7 @@
           <a:lstStyle/>
           <a:p>
             <a:r>
-              <a:rPr lang="ko-KR" altLang="en-US" smtClean="0">
+              <a:rPr lang="ko-KR" altLang="en-US" b="1" smtClean="0">
                 <a:solidFill>
                   <a:srgbClr val="00B050"/>
                 </a:solidFill>
@@ -7514,7 +7516,7 @@
               </a:rPr>
               <a:t>호평의 병원 리스트 제공</a:t>
             </a:r>
-            <a:endParaRPr lang="ko-KR" altLang="en-US" dirty="0" smtClean="0">
+            <a:endParaRPr lang="ko-KR" altLang="en-US" b="1" dirty="0" smtClean="0">
               <a:solidFill>
                 <a:srgbClr val="00B050"/>
               </a:solidFill>
@@ -7546,7 +7548,7 @@
           <a:lstStyle/>
           <a:p>
             <a:r>
-              <a:rPr lang="ko-KR" altLang="en-US" dirty="0" smtClean="0">
+              <a:rPr lang="ko-KR" altLang="en-US" b="1" dirty="0" smtClean="0">
                 <a:solidFill>
                   <a:srgbClr val="00B050"/>
                 </a:solidFill>
@@ -7555,7 +7557,7 @@
               <a:t>해당 키워드를 진료하는 병원 </a:t>
             </a:r>
             <a:r>
-              <a:rPr lang="en-US" altLang="ko-KR" dirty="0" smtClean="0">
+              <a:rPr lang="en-US" altLang="ko-KR" b="1" dirty="0" smtClean="0">
                 <a:solidFill>
                   <a:srgbClr val="00B050"/>
                 </a:solidFill>
@@ -7564,7 +7566,7 @@
               <a:t>DB</a:t>
             </a:r>
             <a:r>
-              <a:rPr lang="ko-KR" altLang="en-US" dirty="0" smtClean="0">
+              <a:rPr lang="ko-KR" altLang="en-US" b="1" dirty="0" smtClean="0">
                 <a:solidFill>
                   <a:srgbClr val="00B050"/>
                 </a:solidFill>
@@ -7573,7 +7575,7 @@
               <a:t>에서 탐색</a:t>
             </a:r>
             <a:r>
-              <a:rPr lang="en-US" altLang="ko-KR" dirty="0" smtClean="0">
+              <a:rPr lang="en-US" altLang="ko-KR" b="1" dirty="0" smtClean="0">
                 <a:solidFill>
                   <a:srgbClr val="00B050"/>
                 </a:solidFill>
@@ -7582,7 +7584,7 @@
               <a:t> </a:t>
             </a:r>
             <a:r>
-              <a:rPr lang="ko-KR" altLang="en-US" dirty="0" smtClean="0">
+              <a:rPr lang="ko-KR" altLang="en-US" b="1" dirty="0" smtClean="0">
                 <a:solidFill>
                   <a:srgbClr val="00B050"/>
                 </a:solidFill>
@@ -7591,7 +7593,7 @@
               <a:t>및 의료기관상세정보</a:t>
             </a:r>
             <a:r>
-              <a:rPr lang="en-US" altLang="ko-KR" dirty="0" smtClean="0">
+              <a:rPr lang="en-US" altLang="ko-KR" b="1" dirty="0" smtClean="0">
                 <a:solidFill>
                   <a:srgbClr val="00B050"/>
                 </a:solidFill>
@@ -7600,7 +7602,7 @@
               <a:t>API</a:t>
             </a:r>
             <a:r>
-              <a:rPr lang="ko-KR" altLang="en-US" dirty="0" smtClean="0">
+              <a:rPr lang="ko-KR" altLang="en-US" b="1" dirty="0" smtClean="0">
                 <a:solidFill>
                   <a:srgbClr val="00B050"/>
                 </a:solidFill>
@@ -7634,7 +7636,7 @@
           <a:lstStyle/>
           <a:p>
             <a:r>
-              <a:rPr lang="ko-KR" altLang="en-US" smtClean="0">
+              <a:rPr lang="ko-KR" altLang="en-US" b="1" smtClean="0">
                 <a:solidFill>
                   <a:srgbClr val="00B050"/>
                 </a:solidFill>
@@ -7642,7 +7644,7 @@
               </a:rPr>
               <a:t>분석된 값 서버로 리턴</a:t>
             </a:r>
-            <a:endParaRPr lang="ko-KR" altLang="en-US" dirty="0" smtClean="0">
+            <a:endParaRPr lang="ko-KR" altLang="en-US" b="1" dirty="0" smtClean="0">
               <a:solidFill>
                 <a:srgbClr val="00B050"/>
               </a:solidFill>
@@ -7660,7 +7662,7 @@
         <p:spPr>
           <a:xfrm>
             <a:off x="3460001" y="5248024"/>
-            <a:ext cx="1731564" cy="646331"/>
+            <a:ext cx="1763624" cy="646331"/>
           </a:xfrm>
           <a:prstGeom prst="rect">
             <a:avLst/>
@@ -7674,7 +7676,7 @@
           <a:lstStyle/>
           <a:p>
             <a:r>
-              <a:rPr lang="ko-KR" altLang="en-US" dirty="0" smtClean="0">
+              <a:rPr lang="ko-KR" altLang="en-US" b="1" dirty="0" smtClean="0">
                 <a:solidFill>
                   <a:srgbClr val="00B050"/>
                 </a:solidFill>
@@ -7682,7 +7684,7 @@
               </a:rPr>
               <a:t>분석을 위해</a:t>
             </a:r>
-            <a:endParaRPr lang="en-US" altLang="ko-KR" dirty="0" smtClean="0">
+            <a:endParaRPr lang="en-US" altLang="ko-KR" b="1" dirty="0" smtClean="0">
               <a:solidFill>
                 <a:srgbClr val="00B050"/>
               </a:solidFill>
@@ -7691,7 +7693,7 @@
           </a:p>
           <a:p>
             <a:r>
-              <a:rPr lang="en-US" altLang="ko-KR" dirty="0" smtClean="0">
+              <a:rPr lang="en-US" altLang="ko-KR" b="1" dirty="0" smtClean="0">
                 <a:solidFill>
                   <a:srgbClr val="00B050"/>
                 </a:solidFill>
@@ -7700,7 +7702,7 @@
               <a:t>rpy2 </a:t>
             </a:r>
             <a:r>
-              <a:rPr lang="ko-KR" altLang="en-US" dirty="0" smtClean="0">
+              <a:rPr lang="ko-KR" altLang="en-US" b="1" dirty="0" smtClean="0">
                 <a:solidFill>
                   <a:srgbClr val="00B050"/>
                 </a:solidFill>
@@ -7708,7 +7710,7 @@
               </a:rPr>
               <a:t>모듈 사용</a:t>
             </a:r>
-            <a:endParaRPr lang="en-US" altLang="ko-KR" dirty="0" smtClean="0">
+            <a:endParaRPr lang="en-US" altLang="ko-KR" b="1" dirty="0" smtClean="0">
               <a:solidFill>
                 <a:srgbClr val="00B050"/>
               </a:solidFill>
@@ -7726,7 +7728,7 @@
         <p:spPr>
           <a:xfrm>
             <a:off x="4287397" y="1783164"/>
-            <a:ext cx="1017651" cy="369332"/>
+            <a:ext cx="1063240" cy="369332"/>
           </a:xfrm>
           <a:prstGeom prst="rect">
             <a:avLst/>
@@ -7740,12 +7742,12 @@
           <a:lstStyle/>
           <a:p>
             <a:r>
-              <a:rPr lang="en-US" altLang="ko-KR" dirty="0" smtClean="0">
+              <a:rPr lang="en-US" altLang="ko-KR" b="1" dirty="0" smtClean="0">
                 <a:latin typeface="+mn-ea"/>
               </a:rPr>
               <a:t>Request</a:t>
             </a:r>
-            <a:endParaRPr lang="ko-KR" altLang="en-US" dirty="0" smtClean="0">
+            <a:endParaRPr lang="ko-KR" altLang="en-US" b="1" dirty="0" smtClean="0">
               <a:latin typeface="+mn-ea"/>
             </a:endParaRPr>
           </a:p>
@@ -7760,7 +7762,7 @@
         <p:spPr>
           <a:xfrm>
             <a:off x="4223792" y="2541928"/>
-            <a:ext cx="1173142" cy="369332"/>
+            <a:ext cx="1225144" cy="369332"/>
           </a:xfrm>
           <a:prstGeom prst="rect">
             <a:avLst/>
@@ -7774,12 +7776,12 @@
           <a:lstStyle/>
           <a:p>
             <a:r>
-              <a:rPr lang="en-US" altLang="ko-KR" dirty="0" smtClean="0">
+              <a:rPr lang="en-US" altLang="ko-KR" b="1" dirty="0" smtClean="0">
                 <a:latin typeface="+mn-ea"/>
               </a:rPr>
               <a:t>Response</a:t>
             </a:r>
-            <a:endParaRPr lang="ko-KR" altLang="en-US" dirty="0" smtClean="0">
+            <a:endParaRPr lang="ko-KR" altLang="en-US" b="1" dirty="0" smtClean="0">
               <a:latin typeface="+mn-ea"/>
             </a:endParaRPr>
           </a:p>
@@ -7794,7 +7796,7 @@
         <p:spPr>
           <a:xfrm>
             <a:off x="7782938" y="1352673"/>
-            <a:ext cx="840808" cy="369332"/>
+            <a:ext cx="881395" cy="369332"/>
           </a:xfrm>
           <a:prstGeom prst="rect">
             <a:avLst/>
@@ -7808,12 +7810,12 @@
           <a:lstStyle/>
           <a:p>
             <a:r>
-              <a:rPr lang="en-US" altLang="ko-KR" dirty="0" smtClean="0">
+              <a:rPr lang="en-US" altLang="ko-KR" b="1" dirty="0" smtClean="0">
                 <a:latin typeface="+mn-ea"/>
               </a:rPr>
               <a:t>Server</a:t>
             </a:r>
-            <a:endParaRPr lang="ko-KR" altLang="en-US" dirty="0" smtClean="0">
+            <a:endParaRPr lang="ko-KR" altLang="en-US" b="1" dirty="0" smtClean="0">
               <a:latin typeface="+mn-ea"/>
             </a:endParaRPr>
           </a:p>
@@ -7828,7 +7830,7 @@
         <p:spPr>
           <a:xfrm>
             <a:off x="8681609" y="4646694"/>
-            <a:ext cx="484428" cy="369332"/>
+            <a:ext cx="503664" cy="369332"/>
           </a:xfrm>
           <a:prstGeom prst="rect">
             <a:avLst/>
@@ -7842,12 +7844,12 @@
           <a:lstStyle/>
           <a:p>
             <a:r>
-              <a:rPr lang="en-US" altLang="ko-KR" dirty="0" smtClean="0">
+              <a:rPr lang="en-US" altLang="ko-KR" b="1" dirty="0" smtClean="0">
                 <a:latin typeface="+mn-ea"/>
               </a:rPr>
               <a:t>DB</a:t>
             </a:r>
-            <a:endParaRPr lang="ko-KR" altLang="en-US" dirty="0" smtClean="0">
+            <a:endParaRPr lang="ko-KR" altLang="en-US" b="1" dirty="0" smtClean="0">
               <a:latin typeface="+mn-ea"/>
             </a:endParaRPr>
           </a:p>
@@ -7862,7 +7864,7 @@
         <p:spPr>
           <a:xfrm>
             <a:off x="1559496" y="2204864"/>
-            <a:ext cx="779381" cy="369332"/>
+            <a:ext cx="816249" cy="369332"/>
           </a:xfrm>
           <a:prstGeom prst="rect">
             <a:avLst/>
@@ -7876,12 +7878,12 @@
           <a:lstStyle/>
           <a:p>
             <a:r>
-              <a:rPr lang="en-US" altLang="ko-KR" dirty="0" smtClean="0">
+              <a:rPr lang="en-US" altLang="ko-KR" b="1" dirty="0" smtClean="0">
                 <a:latin typeface="+mn-ea"/>
               </a:rPr>
               <a:t>Client</a:t>
             </a:r>
-            <a:endParaRPr lang="ko-KR" altLang="en-US" dirty="0" smtClean="0">
+            <a:endParaRPr lang="ko-KR" altLang="en-US" b="1" dirty="0" smtClean="0">
               <a:latin typeface="+mn-ea"/>
             </a:endParaRPr>
           </a:p>
@@ -7995,12 +7997,12 @@
           <a:lstStyle/>
           <a:p>
             <a:r>
-              <a:rPr lang="ko-KR" altLang="en-US" sz="4000" dirty="0" smtClean="0">
+              <a:rPr lang="ko-KR" altLang="en-US" sz="4000" b="1" dirty="0" smtClean="0">
                 <a:latin typeface="+mn-ea"/>
               </a:rPr>
               <a:t>데이터 레이아웃</a:t>
             </a:r>
-            <a:endParaRPr lang="ko-KR" altLang="en-US" sz="4000" dirty="0">
+            <a:endParaRPr lang="ko-KR" altLang="en-US" sz="4000" b="1" dirty="0">
               <a:latin typeface="+mn-ea"/>
             </a:endParaRPr>
           </a:p>
@@ -8048,7 +8050,7 @@
           <a:lstStyle/>
           <a:p>
             <a:pPr algn="ctr"/>
-            <a:endParaRPr lang="ko-KR" altLang="en-US">
+            <a:endParaRPr lang="ko-KR" altLang="en-US" b="1">
               <a:latin typeface="+mn-ea"/>
             </a:endParaRPr>
           </a:p>
@@ -8092,43 +8094,43 @@
               <a:t>: </a:t>
             </a:r>
             <a:r>
-              <a:rPr lang="ko-KR" altLang="en-US" sz="2200" dirty="0" smtClean="0">
+              <a:rPr lang="ko-KR" altLang="en-US" sz="2200" b="1" dirty="0" smtClean="0">
                 <a:latin typeface="+mn-ea"/>
               </a:rPr>
               <a:t>웹 서비스에서 검색된 의료기관에 대한 </a:t>
             </a:r>
             <a:r>
-              <a:rPr lang="ko-KR" altLang="en-US" sz="2200" dirty="0" err="1" smtClean="0">
+              <a:rPr lang="ko-KR" altLang="en-US" sz="2200" b="1" dirty="0" err="1" smtClean="0">
                 <a:latin typeface="+mn-ea"/>
               </a:rPr>
               <a:t>기관명</a:t>
             </a:r>
             <a:r>
-              <a:rPr lang="en-US" altLang="ko-KR" sz="2200" dirty="0" smtClean="0">
+              <a:rPr lang="en-US" altLang="ko-KR" sz="2200" b="1" dirty="0" smtClean="0">
                 <a:latin typeface="+mn-ea"/>
               </a:rPr>
               <a:t>, </a:t>
             </a:r>
             <a:r>
-              <a:rPr lang="ko-KR" altLang="en-US" sz="2200" dirty="0" smtClean="0">
+              <a:rPr lang="ko-KR" altLang="en-US" sz="2200" b="1" dirty="0" smtClean="0">
                 <a:latin typeface="+mn-ea"/>
               </a:rPr>
               <a:t>주소</a:t>
             </a:r>
             <a:r>
-              <a:rPr lang="en-US" altLang="ko-KR" sz="2200" dirty="0" smtClean="0">
+              <a:rPr lang="en-US" altLang="ko-KR" sz="2200" b="1" dirty="0" smtClean="0">
                 <a:latin typeface="+mn-ea"/>
               </a:rPr>
               <a:t>, </a:t>
             </a:r>
             <a:r>
-              <a:rPr lang="ko-KR" altLang="en-US" sz="2200" dirty="0" smtClean="0">
+              <a:rPr lang="ko-KR" altLang="en-US" sz="2200" b="1" dirty="0" smtClean="0">
                 <a:latin typeface="+mn-ea"/>
               </a:rPr>
               <a:t>경도 및 위도</a:t>
             </a:r>
             <a:r>
-              <a:rPr lang="en-US" altLang="ko-KR" sz="2200" dirty="0" smtClean="0">
+              <a:rPr lang="en-US" altLang="ko-KR" sz="2200" b="1" dirty="0" smtClean="0">
                 <a:latin typeface="+mn-ea"/>
               </a:rPr>
               <a:t>,</a:t>
@@ -8136,19 +8138,19 @@
           </a:p>
           <a:p>
             <a:r>
-              <a:rPr lang="en-US" altLang="ko-KR" sz="2200" dirty="0">
+              <a:rPr lang="en-US" altLang="ko-KR" sz="2200" b="1" dirty="0">
                 <a:latin typeface="+mn-ea"/>
               </a:rPr>
               <a:t>	</a:t>
             </a:r>
             <a:r>
-              <a:rPr lang="en-US" altLang="ko-KR" sz="2200" dirty="0" smtClean="0">
+              <a:rPr lang="en-US" altLang="ko-KR" sz="2200" b="1" dirty="0" smtClean="0">
                 <a:latin typeface="+mn-ea"/>
               </a:rPr>
               <a:t>      </a:t>
             </a:r>
             <a:r>
-              <a:rPr lang="ko-KR" altLang="en-US" sz="2200" dirty="0" smtClean="0">
+              <a:rPr lang="ko-KR" altLang="en-US" sz="2200" b="1" dirty="0" smtClean="0">
                 <a:latin typeface="+mn-ea"/>
               </a:rPr>
               <a:t>전화번호 정보 제공하기 위함</a:t>
@@ -8194,25 +8196,25 @@
               <a:t>: </a:t>
             </a:r>
             <a:r>
-              <a:rPr lang="ko-KR" altLang="en-US" sz="2200" dirty="0" smtClean="0">
+              <a:rPr lang="ko-KR" altLang="en-US" sz="2200" b="1" dirty="0" smtClean="0">
                 <a:latin typeface="+mn-ea"/>
               </a:rPr>
               <a:t>웹 서비스에서 검색된 의료기관에 대한 시설정보</a:t>
             </a:r>
             <a:r>
-              <a:rPr lang="en-US" altLang="ko-KR" sz="2200" dirty="0" smtClean="0">
+              <a:rPr lang="en-US" altLang="ko-KR" sz="2200" b="1" dirty="0" smtClean="0">
                 <a:latin typeface="+mn-ea"/>
               </a:rPr>
               <a:t>, </a:t>
             </a:r>
             <a:r>
-              <a:rPr lang="ko-KR" altLang="en-US" sz="2200" dirty="0" smtClean="0">
+              <a:rPr lang="ko-KR" altLang="en-US" sz="2200" b="1" dirty="0" smtClean="0">
                 <a:latin typeface="+mn-ea"/>
               </a:rPr>
               <a:t>세부정보</a:t>
             </a:r>
             <a:r>
-              <a:rPr lang="en-US" altLang="ko-KR" sz="2200" dirty="0" smtClean="0">
+              <a:rPr lang="en-US" altLang="ko-KR" sz="2200" b="1" dirty="0" smtClean="0">
                 <a:latin typeface="+mn-ea"/>
               </a:rPr>
               <a:t>,</a:t>
@@ -8220,19 +8222,19 @@
           </a:p>
           <a:p>
             <a:r>
-              <a:rPr lang="en-US" altLang="ko-KR" sz="2200" dirty="0">
+              <a:rPr lang="en-US" altLang="ko-KR" sz="2200" b="1" dirty="0">
                 <a:latin typeface="+mn-ea"/>
               </a:rPr>
               <a:t>	 </a:t>
             </a:r>
             <a:r>
-              <a:rPr lang="en-US" altLang="ko-KR" sz="2200" dirty="0" smtClean="0">
+              <a:rPr lang="en-US" altLang="ko-KR" sz="2200" b="1" dirty="0" smtClean="0">
                 <a:latin typeface="+mn-ea"/>
               </a:rPr>
               <a:t>     </a:t>
             </a:r>
             <a:r>
-              <a:rPr lang="ko-KR" altLang="en-US" sz="2200" dirty="0" smtClean="0">
+              <a:rPr lang="ko-KR" altLang="en-US" sz="2200" b="1" dirty="0" smtClean="0">
                 <a:latin typeface="+mn-ea"/>
               </a:rPr>
               <a:t>교통정보 등을 표시하기 위함</a:t>
@@ -8278,7 +8280,7 @@
               <a:t>: </a:t>
             </a:r>
             <a:r>
-              <a:rPr lang="ko-KR" altLang="en-US" sz="2200" dirty="0" smtClean="0">
+              <a:rPr lang="ko-KR" altLang="en-US" sz="2200" b="1" dirty="0" smtClean="0">
                 <a:latin typeface="+mn-ea"/>
               </a:rPr>
               <a:t>사용자에 의해 검색된 병원이 가지는 평가등급을 알려주기 위함</a:t>
@@ -8533,7 +8535,7 @@
           <a:lstStyle/>
           <a:p>
             <a:pPr algn="ctr"/>
-            <a:endParaRPr lang="ko-KR" altLang="en-US">
+            <a:endParaRPr lang="ko-KR" altLang="en-US" b="1">
               <a:latin typeface="+mn-ea"/>
             </a:endParaRPr>
           </a:p>
@@ -8562,12 +8564,12 @@
           <a:lstStyle/>
           <a:p>
             <a:r>
-              <a:rPr lang="ko-KR" altLang="en-US" sz="4000" dirty="0" smtClean="0">
+              <a:rPr lang="ko-KR" altLang="en-US" sz="4000" b="1" dirty="0" smtClean="0">
                 <a:latin typeface="+mn-ea"/>
               </a:rPr>
               <a:t>데이터 레이아웃</a:t>
             </a:r>
-            <a:endParaRPr lang="ko-KR" altLang="en-US" sz="4000" dirty="0">
+            <a:endParaRPr lang="ko-KR" altLang="en-US" sz="4000" b="1" dirty="0">
               <a:latin typeface="+mn-ea"/>
             </a:endParaRPr>
           </a:p>
@@ -8615,7 +8617,7 @@
           <a:lstStyle/>
           <a:p>
             <a:pPr algn="ctr"/>
-            <a:endParaRPr lang="ko-KR" altLang="en-US">
+            <a:endParaRPr lang="ko-KR" altLang="en-US" b="1">
               <a:latin typeface="+mn-ea"/>
             </a:endParaRPr>
           </a:p>
@@ -8897,7 +8899,7 @@
               </a:lnSpc>
             </a:pPr>
             <a:r>
-              <a:rPr lang="ko-KR" altLang="en-US" sz="2000" dirty="0" smtClean="0">
+              <a:rPr lang="ko-KR" altLang="en-US" sz="2000" b="1" dirty="0" smtClean="0">
                 <a:latin typeface="+mn-ea"/>
               </a:rPr>
               <a:t>각 병원은 고유한 </a:t>
@@ -8912,12 +8914,12 @@
               <a:t>암호화된 요양기호</a:t>
             </a:r>
             <a:r>
-              <a:rPr lang="ko-KR" altLang="en-US" sz="2000" dirty="0" smtClean="0">
+              <a:rPr lang="ko-KR" altLang="en-US" sz="2000" b="1" dirty="0" smtClean="0">
                 <a:latin typeface="+mn-ea"/>
               </a:rPr>
               <a:t>를 가짐</a:t>
             </a:r>
-            <a:endParaRPr lang="en-US" altLang="ko-KR" sz="2000" dirty="0" smtClean="0">
+            <a:endParaRPr lang="en-US" altLang="ko-KR" sz="2000" b="1" dirty="0" smtClean="0">
               <a:latin typeface="+mn-ea"/>
             </a:endParaRPr>
           </a:p>
@@ -8946,7 +8948,7 @@
               <a:t>요양기호</a:t>
             </a:r>
             <a:r>
-              <a:rPr lang="ko-KR" altLang="en-US" sz="2000" dirty="0" smtClean="0">
+              <a:rPr lang="ko-KR" altLang="en-US" sz="2000" b="1" dirty="0" smtClean="0">
                 <a:latin typeface="+mn-ea"/>
               </a:rPr>
               <a:t>는 병원들을 구분할 목적</a:t>
@@ -8991,24 +8993,24 @@
               <a:t>암호화된 요양기호</a:t>
             </a:r>
             <a:r>
-              <a:rPr lang="ko-KR" altLang="en-US" sz="2000" dirty="0" smtClean="0">
+              <a:rPr lang="ko-KR" altLang="en-US" sz="2000" b="1" dirty="0" smtClean="0">
                 <a:latin typeface="+mn-ea"/>
               </a:rPr>
               <a:t>를 통해</a:t>
             </a:r>
             <a:r>
-              <a:rPr lang="ko-KR" altLang="en-US" sz="2000" dirty="0">
+              <a:rPr lang="ko-KR" altLang="en-US" sz="2000" b="1" dirty="0">
                 <a:latin typeface="+mn-ea"/>
               </a:rPr>
               <a:t> </a:t>
             </a:r>
             <a:r>
-              <a:rPr lang="ko-KR" altLang="en-US" sz="2000" dirty="0" smtClean="0">
+              <a:rPr lang="ko-KR" altLang="en-US" sz="2000" b="1" dirty="0" smtClean="0">
                 <a:latin typeface="+mn-ea"/>
               </a:rPr>
               <a:t>특정 병원의</a:t>
             </a:r>
-            <a:endParaRPr lang="en-US" altLang="ko-KR" sz="2000" dirty="0" smtClean="0">
+            <a:endParaRPr lang="en-US" altLang="ko-KR" sz="2000" b="1" dirty="0" smtClean="0">
               <a:latin typeface="+mn-ea"/>
             </a:endParaRPr>
           </a:p>
@@ -9021,12 +9023,12 @@
               <a:buChar char="-"/>
             </a:pPr>
             <a:r>
-              <a:rPr lang="ko-KR" altLang="en-US" sz="2000" dirty="0" smtClean="0">
+              <a:rPr lang="ko-KR" altLang="en-US" sz="2000" b="1" dirty="0" smtClean="0">
                 <a:latin typeface="+mn-ea"/>
               </a:rPr>
               <a:t>시설 및 세부정보</a:t>
             </a:r>
-            <a:endParaRPr lang="en-US" altLang="ko-KR" sz="2000" dirty="0" smtClean="0">
+            <a:endParaRPr lang="en-US" altLang="ko-KR" sz="2000" b="1" dirty="0" smtClean="0">
               <a:latin typeface="+mn-ea"/>
             </a:endParaRPr>
           </a:p>
@@ -9039,12 +9041,12 @@
               <a:buChar char="-"/>
             </a:pPr>
             <a:r>
-              <a:rPr lang="ko-KR" altLang="en-US" sz="2000" dirty="0" smtClean="0">
+              <a:rPr lang="ko-KR" altLang="en-US" sz="2000" b="1" dirty="0" smtClean="0">
                 <a:latin typeface="+mn-ea"/>
               </a:rPr>
               <a:t>진료과목정보</a:t>
             </a:r>
-            <a:endParaRPr lang="en-US" altLang="ko-KR" sz="2000" dirty="0" smtClean="0">
+            <a:endParaRPr lang="en-US" altLang="ko-KR" sz="2000" b="1" dirty="0" smtClean="0">
               <a:latin typeface="+mn-ea"/>
             </a:endParaRPr>
           </a:p>
@@ -9057,12 +9059,12 @@
               <a:buChar char="-"/>
             </a:pPr>
             <a:r>
-              <a:rPr lang="ko-KR" altLang="en-US" sz="2000" dirty="0" smtClean="0">
+              <a:rPr lang="ko-KR" altLang="en-US" sz="2000" b="1" dirty="0" smtClean="0">
                 <a:latin typeface="+mn-ea"/>
               </a:rPr>
               <a:t>교통정보</a:t>
             </a:r>
-            <a:endParaRPr lang="en-US" altLang="ko-KR" sz="2000" dirty="0" smtClean="0">
+            <a:endParaRPr lang="en-US" altLang="ko-KR" sz="2000" b="1" dirty="0" smtClean="0">
               <a:latin typeface="+mn-ea"/>
             </a:endParaRPr>
           </a:p>
@@ -9075,12 +9077,12 @@
               <a:buChar char="-"/>
             </a:pPr>
             <a:r>
-              <a:rPr lang="ko-KR" altLang="en-US" sz="2000" dirty="0" smtClean="0">
+              <a:rPr lang="ko-KR" altLang="en-US" sz="2000" b="1" dirty="0" smtClean="0">
                 <a:latin typeface="+mn-ea"/>
               </a:rPr>
               <a:t>전문병원지정분야 정보 획득 가능</a:t>
             </a:r>
-            <a:endParaRPr lang="en-US" altLang="ko-KR" sz="2000" dirty="0" smtClean="0">
+            <a:endParaRPr lang="en-US" altLang="ko-KR" sz="2000" b="1" dirty="0" smtClean="0">
               <a:latin typeface="+mn-ea"/>
             </a:endParaRPr>
           </a:p>
@@ -9123,12 +9125,12 @@
               <a:t>암호화된 요양기호</a:t>
             </a:r>
             <a:r>
-              <a:rPr lang="ko-KR" altLang="en-US" sz="2000" dirty="0" smtClean="0">
+              <a:rPr lang="ko-KR" altLang="en-US" sz="2000" b="1" dirty="0" smtClean="0">
                 <a:latin typeface="+mn-ea"/>
               </a:rPr>
               <a:t>를 통해 특정 병원의</a:t>
             </a:r>
-            <a:endParaRPr lang="en-US" altLang="ko-KR" sz="2000" dirty="0" smtClean="0">
+            <a:endParaRPr lang="en-US" altLang="ko-KR" sz="2000" b="1" dirty="0" smtClean="0">
               <a:latin typeface="+mn-ea"/>
             </a:endParaRPr>
           </a:p>
@@ -9141,12 +9143,12 @@
               <a:buChar char="-"/>
             </a:pPr>
             <a:r>
-              <a:rPr lang="ko-KR" altLang="en-US" sz="2000" dirty="0" smtClean="0">
+              <a:rPr lang="ko-KR" altLang="en-US" sz="2000" b="1" dirty="0" smtClean="0">
                 <a:latin typeface="+mn-ea"/>
               </a:rPr>
               <a:t>병원평가등급기준목록조회</a:t>
             </a:r>
-            <a:endParaRPr lang="en-US" altLang="ko-KR" sz="2000" dirty="0" smtClean="0">
+            <a:endParaRPr lang="en-US" altLang="ko-KR" sz="2000" b="1" dirty="0" smtClean="0">
               <a:latin typeface="+mn-ea"/>
             </a:endParaRPr>
           </a:p>
@@ -9159,12 +9161,12 @@
               <a:buChar char="-"/>
             </a:pPr>
             <a:r>
-              <a:rPr lang="ko-KR" altLang="en-US" sz="2000" dirty="0" smtClean="0">
+              <a:rPr lang="ko-KR" altLang="en-US" sz="2000" b="1" dirty="0" smtClean="0">
                 <a:latin typeface="+mn-ea"/>
               </a:rPr>
               <a:t>병원전체평가결과목록조회</a:t>
             </a:r>
-            <a:endParaRPr lang="en-US" altLang="ko-KR" sz="2000" dirty="0" smtClean="0">
+            <a:endParaRPr lang="en-US" altLang="ko-KR" sz="2000" b="1" dirty="0" smtClean="0">
               <a:latin typeface="+mn-ea"/>
             </a:endParaRPr>
           </a:p>
@@ -9177,42 +9179,42 @@
               <a:buChar char="-"/>
             </a:pPr>
             <a:r>
-              <a:rPr lang="ko-KR" altLang="en-US" sz="2000" dirty="0" smtClean="0">
+              <a:rPr lang="ko-KR" altLang="en-US" sz="2000" b="1" dirty="0" smtClean="0">
                 <a:latin typeface="+mn-ea"/>
               </a:rPr>
               <a:t>질병</a:t>
             </a:r>
             <a:r>
-              <a:rPr lang="en-US" altLang="ko-KR" sz="2000" dirty="0" smtClean="0">
+              <a:rPr lang="en-US" altLang="ko-KR" sz="2000" b="1" dirty="0" smtClean="0">
                 <a:latin typeface="+mn-ea"/>
               </a:rPr>
               <a:t>,</a:t>
             </a:r>
             <a:r>
-              <a:rPr lang="ko-KR" altLang="en-US" sz="2000" dirty="0">
+              <a:rPr lang="ko-KR" altLang="en-US" sz="2000" b="1" dirty="0">
                 <a:latin typeface="+mn-ea"/>
               </a:rPr>
               <a:t> </a:t>
             </a:r>
             <a:r>
-              <a:rPr lang="ko-KR" altLang="en-US" sz="2000" dirty="0" smtClean="0">
+              <a:rPr lang="ko-KR" altLang="en-US" sz="2000" b="1" dirty="0" smtClean="0">
                 <a:latin typeface="+mn-ea"/>
               </a:rPr>
               <a:t>수술</a:t>
             </a:r>
             <a:r>
-              <a:rPr lang="en-US" altLang="ko-KR" sz="2000" dirty="0">
+              <a:rPr lang="en-US" altLang="ko-KR" sz="2000" b="1" dirty="0">
                 <a:latin typeface="+mn-ea"/>
               </a:rPr>
               <a:t> </a:t>
             </a:r>
             <a:r>
-              <a:rPr lang="ko-KR" altLang="en-US" sz="2000" dirty="0" smtClean="0">
+              <a:rPr lang="ko-KR" altLang="en-US" sz="2000" b="1" dirty="0" smtClean="0">
                 <a:latin typeface="+mn-ea"/>
               </a:rPr>
               <a:t>등의 평가결과목록조회</a:t>
             </a:r>
-            <a:endParaRPr lang="en-US" altLang="ko-KR" sz="2000" dirty="0" smtClean="0">
+            <a:endParaRPr lang="en-US" altLang="ko-KR" sz="2000" b="1" dirty="0" smtClean="0">
               <a:latin typeface="+mn-ea"/>
             </a:endParaRPr>
           </a:p>
@@ -9241,14 +9243,14 @@
           <a:lstStyle/>
           <a:p>
             <a:r>
-              <a:rPr lang="ko-KR" altLang="en-US" sz="1600" dirty="0" smtClean="0"/>
+              <a:rPr lang="ko-KR" altLang="en-US" sz="1600" b="1" dirty="0" smtClean="0"/>
               <a:t>암호화된 요양기호</a:t>
             </a:r>
             <a:r>
-              <a:rPr lang="en-US" altLang="ko-KR" sz="1600" dirty="0" smtClean="0"/>
+              <a:rPr lang="en-US" altLang="ko-KR" sz="1600" b="1" dirty="0" smtClean="0"/>
               <a:t>Ex) JDQ4MTAxMiM1MSMkMSMkMCMkODkkMzgxMzUxIzExIyQxI</a:t>
             </a:r>
-            <a:endParaRPr lang="ko-KR" altLang="en-US" sz="1600" dirty="0" smtClean="0">
+            <a:endParaRPr lang="ko-KR" altLang="en-US" sz="1600" b="1" dirty="0" smtClean="0">
               <a:latin typeface="210 콤퓨타세탁 L" pitchFamily="18" charset="-127"/>
               <a:ea typeface="210 콤퓨타세탁 L" pitchFamily="18" charset="-127"/>
             </a:endParaRPr>
@@ -9278,14 +9280,14 @@
           <a:lstStyle/>
           <a:p>
             <a:r>
-              <a:rPr lang="ko-KR" altLang="en-US" sz="1600" dirty="0" smtClean="0"/>
+              <a:rPr lang="ko-KR" altLang="en-US" sz="1600" b="1" dirty="0" smtClean="0"/>
               <a:t>암호화된 요양기호</a:t>
             </a:r>
             <a:r>
-              <a:rPr lang="en-US" altLang="ko-KR" sz="1600" dirty="0" smtClean="0"/>
+              <a:rPr lang="en-US" altLang="ko-KR" sz="1600" b="1" dirty="0" smtClean="0"/>
               <a:t>Ex) JDQ4MTAxMiM1MSMkMSMkMCMkODkkMzgxMzUxIzExIyQxI</a:t>
             </a:r>
-            <a:endParaRPr lang="ko-KR" altLang="en-US" sz="1600" dirty="0" smtClean="0">
+            <a:endParaRPr lang="ko-KR" altLang="en-US" sz="1600" b="1" dirty="0" smtClean="0">
               <a:latin typeface="210 콤퓨타세탁 L" pitchFamily="18" charset="-127"/>
               <a:ea typeface="210 콤퓨타세탁 L" pitchFamily="18" charset="-127"/>
             </a:endParaRPr>
@@ -9400,12 +9402,12 @@
           <a:lstStyle/>
           <a:p>
             <a:r>
-              <a:rPr lang="ko-KR" altLang="en-US" sz="4000" dirty="0" smtClean="0">
+              <a:rPr lang="ko-KR" altLang="en-US" sz="4000" b="1" dirty="0" smtClean="0">
                 <a:latin typeface="+mn-ea"/>
               </a:rPr>
               <a:t>진행 상황</a:t>
             </a:r>
-            <a:endParaRPr lang="ko-KR" altLang="en-US" sz="4000" dirty="0">
+            <a:endParaRPr lang="ko-KR" altLang="en-US" sz="4000" b="1" dirty="0">
               <a:latin typeface="+mn-ea"/>
             </a:endParaRPr>
           </a:p>
@@ -9453,7 +9455,7 @@
           <a:lstStyle/>
           <a:p>
             <a:pPr algn="ctr"/>
-            <a:endParaRPr lang="ko-KR" altLang="en-US">
+            <a:endParaRPr lang="ko-KR" altLang="en-US" b="1">
               <a:latin typeface="+mn-ea"/>
             </a:endParaRPr>
           </a:p>
@@ -9506,30 +9508,30 @@
           <a:lstStyle/>
           <a:p>
             <a:r>
-              <a:rPr lang="en-US" altLang="ko-KR" dirty="0" smtClean="0"/>
+              <a:rPr lang="en-US" altLang="ko-KR" b="1" dirty="0" smtClean="0"/>
               <a:t>&lt; </a:t>
             </a:r>
             <a:r>
-              <a:rPr lang="ko-KR" altLang="en-US" dirty="0" err="1" smtClean="0"/>
+              <a:rPr lang="ko-KR" altLang="en-US" b="1" dirty="0" err="1" smtClean="0"/>
               <a:t>발사믹</a:t>
             </a:r>
             <a:r>
-              <a:rPr lang="ko-KR" altLang="en-US" dirty="0" smtClean="0"/>
+              <a:rPr lang="ko-KR" altLang="en-US" b="1" dirty="0" smtClean="0"/>
               <a:t> </a:t>
             </a:r>
             <a:r>
-              <a:rPr lang="ko-KR" altLang="en-US" dirty="0" err="1" smtClean="0"/>
+              <a:rPr lang="ko-KR" altLang="en-US" b="1" dirty="0" err="1" smtClean="0"/>
               <a:t>목업을</a:t>
             </a:r>
             <a:r>
-              <a:rPr lang="ko-KR" altLang="en-US" dirty="0" smtClean="0"/>
+              <a:rPr lang="ko-KR" altLang="en-US" b="1" dirty="0" smtClean="0"/>
               <a:t> 통한 설계 </a:t>
             </a:r>
             <a:r>
-              <a:rPr lang="en-US" altLang="ko-KR" dirty="0" smtClean="0"/>
+              <a:rPr lang="en-US" altLang="ko-KR" b="1" dirty="0" smtClean="0"/>
               <a:t>&gt;</a:t>
             </a:r>
-            <a:endParaRPr lang="ko-KR" altLang="en-US" dirty="0" smtClean="0">
+            <a:endParaRPr lang="ko-KR" altLang="en-US" b="1" dirty="0" smtClean="0">
               <a:latin typeface="210 콤퓨타세탁 L" pitchFamily="18" charset="-127"/>
               <a:ea typeface="210 콤퓨타세탁 L" pitchFamily="18" charset="-127"/>
             </a:endParaRPr>
@@ -9559,24 +9561,24 @@
           <a:lstStyle/>
           <a:p>
             <a:r>
-              <a:rPr lang="en-US" altLang="ko-KR" dirty="0" smtClean="0">
+              <a:rPr lang="en-US" altLang="ko-KR" b="1" dirty="0" smtClean="0">
                 <a:latin typeface="+mn-ea"/>
               </a:rPr>
               <a:t>&lt; </a:t>
             </a:r>
             <a:r>
-              <a:rPr lang="ko-KR" altLang="en-US" dirty="0" smtClean="0">
+              <a:rPr lang="ko-KR" altLang="en-US" b="1" dirty="0" smtClean="0">
                 <a:latin typeface="+mn-ea"/>
               </a:rPr>
               <a:t>서비스할 웹 페이지 화면</a:t>
             </a:r>
             <a:r>
-              <a:rPr lang="en-US" altLang="ko-KR" dirty="0" smtClean="0">
+              <a:rPr lang="en-US" altLang="ko-KR" b="1" dirty="0" smtClean="0">
                 <a:latin typeface="+mn-ea"/>
               </a:rPr>
               <a:t> &gt;</a:t>
             </a:r>
-            <a:endParaRPr lang="ko-KR" altLang="en-US" dirty="0" smtClean="0">
+            <a:endParaRPr lang="ko-KR" altLang="en-US" b="1" dirty="0" smtClean="0">
               <a:latin typeface="+mn-ea"/>
             </a:endParaRPr>
           </a:p>
@@ -9655,7 +9657,7 @@
           <a:lstStyle/>
           <a:p>
             <a:pPr algn="ctr"/>
-            <a:endParaRPr lang="ko-KR" altLang="en-US"/>
+            <a:endParaRPr lang="ko-KR" altLang="en-US" b="1"/>
           </a:p>
         </p:txBody>
       </p:sp>
@@ -9701,7 +9703,7 @@
           <a:lstStyle/>
           <a:p>
             <a:pPr algn="ctr"/>
-            <a:endParaRPr lang="ko-KR" altLang="en-US"/>
+            <a:endParaRPr lang="ko-KR" altLang="en-US" b="1"/>
           </a:p>
         </p:txBody>
       </p:sp>
@@ -9747,7 +9749,7 @@
           <a:lstStyle/>
           <a:p>
             <a:pPr algn="ctr"/>
-            <a:endParaRPr lang="ko-KR" altLang="en-US"/>
+            <a:endParaRPr lang="ko-KR" altLang="en-US" b="1"/>
           </a:p>
         </p:txBody>
       </p:sp>
@@ -9793,7 +9795,7 @@
           <a:lstStyle/>
           <a:p>
             <a:pPr algn="ctr"/>
-            <a:endParaRPr lang="ko-KR" altLang="en-US"/>
+            <a:endParaRPr lang="ko-KR" altLang="en-US" b="1"/>
           </a:p>
         </p:txBody>
       </p:sp>
@@ -9820,7 +9822,7 @@
           <a:lstStyle/>
           <a:p>
             <a:r>
-              <a:rPr lang="ko-KR" altLang="en-US" dirty="0" smtClean="0">
+              <a:rPr lang="ko-KR" altLang="en-US" b="1" dirty="0" smtClean="0">
                 <a:latin typeface="+mn-ea"/>
               </a:rPr>
               <a:t>리스트에 나온 병원 위치 지도에 표시</a:t>
@@ -9851,12 +9853,12 @@
           <a:lstStyle/>
           <a:p>
             <a:r>
-              <a:rPr lang="ko-KR" altLang="en-US" smtClean="0">
+              <a:rPr lang="ko-KR" altLang="en-US" b="1" smtClean="0">
                 <a:latin typeface="+mn-ea"/>
               </a:rPr>
               <a:t>리스트에서 선택한 병원에 대한 세부정보 표시</a:t>
             </a:r>
-            <a:endParaRPr lang="ko-KR" altLang="en-US" dirty="0" smtClean="0">
+            <a:endParaRPr lang="ko-KR" altLang="en-US" b="1" dirty="0" smtClean="0">
               <a:latin typeface="+mn-ea"/>
             </a:endParaRPr>
           </a:p>
@@ -9870,7 +9872,7 @@
         </p:nvSpPr>
         <p:spPr>
           <a:xfrm>
-            <a:off x="5766948" y="1288284"/>
+            <a:off x="5766948" y="1331476"/>
             <a:ext cx="1502334" cy="369332"/>
           </a:xfrm>
           <a:prstGeom prst="rect">
@@ -9885,14 +9887,11 @@
           <a:lstStyle/>
           <a:p>
             <a:r>
-              <a:rPr lang="ko-KR" altLang="en-US" smtClean="0">
+              <a:rPr lang="ko-KR" altLang="en-US" b="1" dirty="0" smtClean="0">
                 <a:latin typeface="+mn-ea"/>
               </a:rPr>
               <a:t>질병 명 검색</a:t>
             </a:r>
-            <a:endParaRPr lang="ko-KR" altLang="en-US" dirty="0" smtClean="0">
-              <a:latin typeface="+mn-ea"/>
-            </a:endParaRPr>
           </a:p>
         </p:txBody>
       </p:sp>
@@ -9919,12 +9918,12 @@
           <a:lstStyle/>
           <a:p>
             <a:r>
-              <a:rPr lang="ko-KR" altLang="en-US" smtClean="0">
+              <a:rPr lang="ko-KR" altLang="en-US" b="1" smtClean="0">
                 <a:latin typeface="+mn-ea"/>
               </a:rPr>
               <a:t>질병을 치료할 수 있는 병원 중 우수 평가 등급의 병원 출력</a:t>
             </a:r>
-            <a:endParaRPr lang="ko-KR" altLang="en-US" dirty="0" smtClean="0">
+            <a:endParaRPr lang="ko-KR" altLang="en-US" b="1" dirty="0" smtClean="0">
               <a:latin typeface="+mn-ea"/>
             </a:endParaRPr>
           </a:p>
@@ -10038,12 +10037,12 @@
           <a:lstStyle/>
           <a:p>
             <a:r>
-              <a:rPr lang="ko-KR" altLang="en-US" sz="4000" dirty="0" smtClean="0">
+              <a:rPr lang="ko-KR" altLang="en-US" sz="4000" b="1" dirty="0" smtClean="0">
                 <a:latin typeface="+mn-ea"/>
               </a:rPr>
               <a:t>진행 상황</a:t>
             </a:r>
-            <a:endParaRPr lang="ko-KR" altLang="en-US" sz="4000" dirty="0">
+            <a:endParaRPr lang="ko-KR" altLang="en-US" sz="4000" b="1" dirty="0">
               <a:latin typeface="+mn-ea"/>
             </a:endParaRPr>
           </a:p>
@@ -10134,8 +10133,8 @@
         </p:nvSpPr>
         <p:spPr>
           <a:xfrm>
-            <a:off x="767408" y="4826476"/>
-            <a:ext cx="10801200" cy="1338828"/>
+            <a:off x="695400" y="4921180"/>
+            <a:ext cx="10801200" cy="1172116"/>
           </a:xfrm>
           <a:prstGeom prst="rect">
             <a:avLst/>
@@ -10148,138 +10147,51 @@
           </a:bodyPr>
           <a:lstStyle/>
           <a:p>
-            <a:pPr>
+            <a:pPr algn="ctr">
               <a:lnSpc>
                 <a:spcPct val="150000"/>
               </a:lnSpc>
             </a:pPr>
             <a:r>
-              <a:rPr lang="ko-KR" altLang="en-US" dirty="0" err="1" smtClean="0">
+              <a:rPr lang="ko-KR" altLang="en-US" sz="2500" b="1" dirty="0" err="1" smtClean="0">
                 <a:latin typeface="+mn-ea"/>
               </a:rPr>
               <a:t>구글</a:t>
             </a:r>
             <a:r>
-              <a:rPr lang="ko-KR" altLang="en-US" dirty="0" smtClean="0">
+              <a:rPr lang="ko-KR" altLang="en-US" sz="2500" b="1" dirty="0" smtClean="0">
                 <a:latin typeface="+mn-ea"/>
               </a:rPr>
               <a:t> 지도 </a:t>
             </a:r>
             <a:r>
-              <a:rPr lang="en-US" altLang="ko-KR" dirty="0" smtClean="0">
+              <a:rPr lang="en-US" altLang="ko-KR" sz="2500" b="1" dirty="0" smtClean="0">
                 <a:latin typeface="+mn-ea"/>
               </a:rPr>
               <a:t>API</a:t>
             </a:r>
             <a:r>
-              <a:rPr lang="ko-KR" altLang="en-US" dirty="0" smtClean="0">
+              <a:rPr lang="ko-KR" altLang="en-US" sz="2500" b="1" dirty="0" smtClean="0">
                 <a:latin typeface="+mn-ea"/>
               </a:rPr>
               <a:t>를 받아오기 위한 코드입니다</a:t>
             </a:r>
             <a:r>
-              <a:rPr lang="en-US" altLang="ko-KR" dirty="0" smtClean="0">
+              <a:rPr lang="en-US" altLang="ko-KR" sz="2500" b="1" dirty="0" smtClean="0">
                 <a:latin typeface="+mn-ea"/>
               </a:rPr>
               <a:t>.</a:t>
             </a:r>
           </a:p>
           <a:p>
-            <a:pPr>
+            <a:pPr algn="ctr">
               <a:lnSpc>
                 <a:spcPct val="150000"/>
               </a:lnSpc>
             </a:pPr>
-            <a:r>
-              <a:rPr lang="ko-KR" altLang="en-US" dirty="0" smtClean="0">
-                <a:latin typeface="+mn-ea"/>
-              </a:rPr>
-              <a:t>밑에서 두 번째 줄에 있는 </a:t>
-            </a:r>
-            <a:r>
-              <a:rPr lang="en-US" altLang="ko-KR" dirty="0" smtClean="0">
-                <a:latin typeface="+mn-ea"/>
-              </a:rPr>
-              <a:t>URL</a:t>
-            </a:r>
-            <a:r>
-              <a:rPr lang="ko-KR" altLang="en-US" dirty="0" smtClean="0">
-                <a:latin typeface="+mn-ea"/>
-              </a:rPr>
-              <a:t>로 </a:t>
-            </a:r>
-            <a:r>
-              <a:rPr lang="en-US" altLang="ko-KR" dirty="0" smtClean="0">
-                <a:latin typeface="+mn-ea"/>
-              </a:rPr>
-              <a:t>request</a:t>
-            </a:r>
-            <a:r>
-              <a:rPr lang="ko-KR" altLang="en-US" dirty="0" smtClean="0">
-                <a:latin typeface="+mn-ea"/>
-              </a:rPr>
-              <a:t>를 보내고 </a:t>
-            </a:r>
-            <a:r>
-              <a:rPr lang="en-US" altLang="ko-KR" dirty="0" err="1" smtClean="0">
-                <a:latin typeface="+mn-ea"/>
-              </a:rPr>
-              <a:t>initMap</a:t>
-            </a:r>
-            <a:r>
-              <a:rPr lang="en-US" altLang="ko-KR" dirty="0">
-                <a:latin typeface="+mn-ea"/>
-              </a:rPr>
-              <a:t> </a:t>
-            </a:r>
-            <a:r>
-              <a:rPr lang="ko-KR" altLang="en-US" dirty="0" smtClean="0">
-                <a:latin typeface="+mn-ea"/>
-              </a:rPr>
-              <a:t>함수를 사용하여 </a:t>
-            </a:r>
-            <a:r>
-              <a:rPr lang="ko-KR" altLang="en-US" dirty="0" err="1" smtClean="0">
-                <a:latin typeface="+mn-ea"/>
-              </a:rPr>
-              <a:t>구글</a:t>
-            </a:r>
-            <a:r>
-              <a:rPr lang="ko-KR" altLang="en-US" dirty="0" smtClean="0">
-                <a:latin typeface="+mn-ea"/>
-              </a:rPr>
-              <a:t> 지도 객체를 생성하고 </a:t>
-            </a:r>
-            <a:r>
-              <a:rPr lang="en-US" altLang="ko-KR" dirty="0" err="1" smtClean="0">
-                <a:latin typeface="+mn-ea"/>
-              </a:rPr>
-              <a:t>uluru</a:t>
-            </a:r>
-            <a:r>
-              <a:rPr lang="ko-KR" altLang="en-US" dirty="0" smtClean="0">
-                <a:latin typeface="+mn-ea"/>
-              </a:rPr>
-              <a:t>에 저장된 좌표 값으로 지도의 최초 위치와 </a:t>
-            </a:r>
-            <a:r>
-              <a:rPr lang="en-US" altLang="ko-KR" dirty="0" smtClean="0">
-                <a:latin typeface="+mn-ea"/>
-              </a:rPr>
-              <a:t>marker</a:t>
-            </a:r>
-            <a:r>
-              <a:rPr lang="ko-KR" altLang="en-US" dirty="0" smtClean="0">
-                <a:latin typeface="+mn-ea"/>
-              </a:rPr>
-              <a:t>의 최초 위치를 초기화하여 줍니다</a:t>
-            </a:r>
-            <a:r>
-              <a:rPr lang="en-US" altLang="ko-KR" dirty="0" smtClean="0">
-                <a:latin typeface="+mn-ea"/>
-              </a:rPr>
-              <a:t>. </a:t>
-            </a:r>
+            <a:endParaRPr lang="en-US" altLang="ko-KR" sz="2500" b="1" dirty="0" smtClean="0">
+              <a:latin typeface="+mn-ea"/>
+            </a:endParaRPr>
           </a:p>
         </p:txBody>
       </p:sp>
@@ -10391,12 +10303,12 @@
           <a:lstStyle/>
           <a:p>
             <a:r>
-              <a:rPr lang="ko-KR" altLang="en-US" sz="4000" dirty="0" smtClean="0">
+              <a:rPr lang="ko-KR" altLang="en-US" sz="4000" b="1" dirty="0" smtClean="0">
                 <a:latin typeface="+mn-ea"/>
               </a:rPr>
               <a:t>진행 상황</a:t>
             </a:r>
-            <a:endParaRPr lang="ko-KR" altLang="en-US" sz="4000" dirty="0">
+            <a:endParaRPr lang="ko-KR" altLang="en-US" sz="4000" b="1" dirty="0">
               <a:latin typeface="+mn-ea"/>
             </a:endParaRPr>
           </a:p>
@@ -10444,7 +10356,7 @@
           <a:lstStyle/>
           <a:p>
             <a:pPr algn="ctr"/>
-            <a:endParaRPr lang="ko-KR" altLang="en-US">
+            <a:endParaRPr lang="ko-KR" altLang="en-US" b="1">
               <a:latin typeface="+mn-ea"/>
             </a:endParaRPr>
           </a:p>
@@ -10473,7 +10385,7 @@
           <a:lstStyle/>
           <a:p>
             <a:r>
-              <a:rPr lang="ko-KR" altLang="en-US" sz="2800" dirty="0" smtClean="0">
+              <a:rPr lang="ko-KR" altLang="en-US" sz="2800" b="1" dirty="0" smtClean="0">
                 <a:latin typeface="+mn-ea"/>
               </a:rPr>
               <a:t>현재 해당기관의 </a:t>
@@ -10488,7 +10400,7 @@
               <a:t>서비스 문제</a:t>
             </a:r>
             <a:r>
-              <a:rPr lang="ko-KR" altLang="en-US" sz="2800" dirty="0" smtClean="0">
+              <a:rPr lang="ko-KR" altLang="en-US" sz="2800" b="1" dirty="0" smtClean="0">
                 <a:latin typeface="+mn-ea"/>
               </a:rPr>
               <a:t>로 정확한 데이터를 가져올 수 없었음</a:t>
@@ -10596,25 +10508,25 @@
               <a:buChar char="•"/>
             </a:pPr>
             <a:r>
-              <a:rPr lang="ko-KR" altLang="en-US" sz="2000" dirty="0" smtClean="0">
+              <a:rPr lang="ko-KR" altLang="en-US" sz="2000" b="1" dirty="0" smtClean="0">
                 <a:latin typeface="+mn-ea"/>
               </a:rPr>
               <a:t>특정 병원의 평가정보를 가져올 수 있는 요양기호 값을 넣어도</a:t>
             </a:r>
             <a:r>
-              <a:rPr lang="en-US" altLang="ko-KR" sz="2000" dirty="0">
+              <a:rPr lang="en-US" altLang="ko-KR" sz="2000" b="1" dirty="0">
                 <a:latin typeface="+mn-ea"/>
               </a:rPr>
               <a:t> </a:t>
             </a:r>
             <a:r>
-              <a:rPr lang="en-US" altLang="ko-KR" sz="2000" dirty="0" smtClean="0">
+              <a:rPr lang="en-US" altLang="ko-KR" sz="2000" b="1" dirty="0" smtClean="0">
                 <a:latin typeface="+mn-ea"/>
               </a:rPr>
               <a:t>NULL</a:t>
             </a:r>
             <a:r>
-              <a:rPr lang="ko-KR" altLang="en-US" sz="2000" dirty="0" smtClean="0">
+              <a:rPr lang="ko-KR" altLang="en-US" sz="2000" b="1" dirty="0" smtClean="0">
                 <a:latin typeface="+mn-ea"/>
               </a:rPr>
               <a:t>값이 리턴</a:t>
@@ -10645,7 +10557,7 @@
           <a:lstStyle/>
           <a:p>
             <a:r>
-              <a:rPr lang="ko-KR" altLang="en-US" sz="2800" dirty="0" smtClean="0">
+              <a:rPr lang="ko-KR" altLang="en-US" sz="2800" b="1" dirty="0" smtClean="0">
                 <a:latin typeface="+mn-ea"/>
               </a:rPr>
               <a:t>따라서 통합된 데이터에 대한 분석 기준 및 방법 제시</a:t>
@@ -10767,7 +10679,7 @@
           <a:lstStyle/>
           <a:p>
             <a:pPr algn="ctr"/>
-            <a:endParaRPr lang="ko-KR" altLang="en-US">
+            <a:endParaRPr lang="ko-KR" altLang="en-US" b="1">
               <a:latin typeface="+mn-ea"/>
             </a:endParaRPr>
           </a:p>
@@ -10796,12 +10708,12 @@
           <a:lstStyle/>
           <a:p>
             <a:r>
-              <a:rPr lang="ko-KR" altLang="en-US" sz="4000" dirty="0" smtClean="0">
+              <a:rPr lang="ko-KR" altLang="en-US" sz="4000" b="1" dirty="0" smtClean="0">
                 <a:latin typeface="+mn-ea"/>
               </a:rPr>
               <a:t>진행 상황</a:t>
             </a:r>
-            <a:endParaRPr lang="ko-KR" altLang="en-US" sz="4000" dirty="0">
+            <a:endParaRPr lang="ko-KR" altLang="en-US" sz="4000" b="1" dirty="0">
               <a:latin typeface="+mn-ea"/>
             </a:endParaRPr>
           </a:p>
@@ -10849,7 +10761,7 @@
           <a:lstStyle/>
           <a:p>
             <a:pPr algn="ctr"/>
-            <a:endParaRPr lang="ko-KR" altLang="en-US">
+            <a:endParaRPr lang="ko-KR" altLang="en-US" b="1">
               <a:latin typeface="+mn-ea"/>
             </a:endParaRPr>
           </a:p>
@@ -10886,7 +10798,7 @@
               <a:buAutoNum type="arabicPeriod"/>
             </a:pPr>
             <a:r>
-              <a:rPr lang="ko-KR" altLang="en-US" sz="2400" dirty="0" smtClean="0">
+              <a:rPr lang="ko-KR" altLang="en-US" sz="2400" b="1" dirty="0" smtClean="0">
                 <a:latin typeface="+mn-ea"/>
               </a:rPr>
               <a:t> </a:t>
@@ -10928,7 +10840,7 @@
               <a:t>도</a:t>
             </a:r>
             <a:r>
-              <a:rPr lang="ko-KR" altLang="en-US" sz="2400" dirty="0" smtClean="0">
+              <a:rPr lang="ko-KR" altLang="en-US" sz="2400" b="1" dirty="0" smtClean="0">
                 <a:latin typeface="+mn-ea"/>
               </a:rPr>
               <a:t> 별 및 </a:t>
@@ -10979,12 +10891,12 @@
               <a:t>구</a:t>
             </a:r>
             <a:r>
-              <a:rPr lang="ko-KR" altLang="en-US" sz="2400" dirty="0" smtClean="0">
+              <a:rPr lang="ko-KR" altLang="en-US" sz="2400" b="1" dirty="0" smtClean="0">
                 <a:latin typeface="+mn-ea"/>
               </a:rPr>
               <a:t> 별로 각 지역의 병원 분류</a:t>
             </a:r>
-            <a:endParaRPr lang="en-US" altLang="ko-KR" sz="2400" dirty="0" smtClean="0">
+            <a:endParaRPr lang="en-US" altLang="ko-KR" sz="2400" b="1" dirty="0" smtClean="0">
               <a:latin typeface="+mn-ea"/>
             </a:endParaRPr>
           </a:p>
@@ -10997,7 +10909,7 @@
               <a:buFont typeface="+mj-lt"/>
               <a:buAutoNum type="arabicPeriod"/>
             </a:pPr>
-            <a:endParaRPr lang="en-US" altLang="ko-KR" sz="2400" dirty="0" smtClean="0">
+            <a:endParaRPr lang="en-US" altLang="ko-KR" sz="2400" b="1" dirty="0" smtClean="0">
               <a:latin typeface="+mn-ea"/>
             </a:endParaRPr>
           </a:p>
@@ -11010,7 +10922,7 @@
               <a:buFont typeface="+mj-lt"/>
               <a:buAutoNum type="arabicPeriod"/>
             </a:pPr>
-            <a:endParaRPr lang="en-US" altLang="ko-KR" sz="2400" dirty="0" smtClean="0">
+            <a:endParaRPr lang="en-US" altLang="ko-KR" sz="2400" b="1" dirty="0" smtClean="0">
               <a:latin typeface="+mn-ea"/>
             </a:endParaRPr>
           </a:p>
@@ -11023,7 +10935,7 @@
               <a:buFont typeface="+mj-lt"/>
               <a:buAutoNum type="arabicPeriod"/>
             </a:pPr>
-            <a:endParaRPr lang="en-US" altLang="ko-KR" sz="2400" dirty="0" smtClean="0">
+            <a:endParaRPr lang="en-US" altLang="ko-KR" sz="2400" b="1" dirty="0" smtClean="0">
               <a:latin typeface="+mn-ea"/>
             </a:endParaRPr>
           </a:p>
@@ -11037,7 +10949,7 @@
               <a:buAutoNum type="arabicPeriod"/>
             </a:pPr>
             <a:r>
-              <a:rPr lang="ko-KR" altLang="en-US" sz="2400" dirty="0" smtClean="0">
+              <a:rPr lang="ko-KR" altLang="en-US" sz="2400" b="1" dirty="0" smtClean="0">
                 <a:latin typeface="+mn-ea"/>
               </a:rPr>
               <a:t> 사용자의 </a:t>
@@ -11052,12 +10964,12 @@
               <a:t>위치를 기반</a:t>
             </a:r>
             <a:r>
-              <a:rPr lang="ko-KR" altLang="en-US" sz="2400" dirty="0" smtClean="0">
+              <a:rPr lang="ko-KR" altLang="en-US" sz="2400" b="1" dirty="0" smtClean="0">
                 <a:latin typeface="+mn-ea"/>
               </a:rPr>
               <a:t>으로 평가등급이 높은 병원 중 해당 질병에 대한 진료를 하는 병원 추출</a:t>
             </a:r>
-            <a:endParaRPr lang="en-US" altLang="ko-KR" sz="2400" dirty="0" smtClean="0">
+            <a:endParaRPr lang="en-US" altLang="ko-KR" sz="2400" b="1" dirty="0" smtClean="0">
               <a:latin typeface="+mn-ea"/>
             </a:endParaRPr>
           </a:p>
@@ -11210,7 +11122,7 @@
           <a:lstStyle/>
           <a:p>
             <a:pPr algn="ctr"/>
-            <a:endParaRPr lang="ko-KR" altLang="en-US"/>
+            <a:endParaRPr lang="ko-KR" altLang="en-US" b="1"/>
           </a:p>
         </p:txBody>
       </p:sp>
@@ -11529,7 +11441,7 @@
   <a:extraClrSchemeLst/>
   <a:extLst>
     <a:ext uri="{05A4C25C-085E-4340-85A3-A5531E510DB2}">
-      <thm15:themeFamily xmlns:thm15="http://schemas.microsoft.com/office/thememl/2012/main" name="Office Theme" id="{62F939B6-93AF-4DB8-9C6B-D6C7DFDC589F}" vid="{4A3C46E8-61CC-4603-A589-7422A47A8E4A}"/>
+      <thm15:themeFamily xmlns:thm15="http://schemas.microsoft.com/office/thememl/2012/main" xmlns="" name="Office Theme" id="{62F939B6-93AF-4DB8-9C6B-D6C7DFDC589F}" vid="{4A3C46E8-61CC-4603-A589-7422A47A8E4A}"/>
     </a:ext>
   </a:extLst>
 </a:theme>

--- a/ppt/4주차 발표_3조.pptx
+++ b/ppt/4주차 발표_3조.pptx
@@ -15,21 +15,20 @@
     <p:sldId id="284" r:id="rId9"/>
     <p:sldId id="287" r:id="rId10"/>
     <p:sldId id="288" r:id="rId11"/>
-    <p:sldId id="283" r:id="rId12"/>
-    <p:sldId id="271" r:id="rId13"/>
-    <p:sldId id="277" r:id="rId14"/>
+    <p:sldId id="271" r:id="rId12"/>
+    <p:sldId id="277" r:id="rId13"/>
   </p:sldIdLst>
   <p:sldSz cx="12192000" cy="6858000"/>
   <p:notesSz cx="6858000" cy="9144000"/>
   <p:embeddedFontLst>
     <p:embeddedFont>
-      <p:font typeface="210 콤퓨타세탁 L" panose="02020603020101020101" pitchFamily="18" charset="-127"/>
-      <p:regular r:id="rId15"/>
+      <p:font typeface="맑은 고딕" panose="020B0503020000020004" pitchFamily="50" charset="-127"/>
+      <p:regular r:id="rId14"/>
+      <p:bold r:id="rId15"/>
     </p:embeddedFont>
     <p:embeddedFont>
-      <p:font typeface="맑은 고딕" panose="020B0503020000020004" pitchFamily="50" charset="-127"/>
+      <p:font typeface="210 콤퓨타세탁 L" panose="02020603020101020101" pitchFamily="18" charset="-127"/>
       <p:regular r:id="rId16"/>
-      <p:bold r:id="rId17"/>
     </p:embeddedFont>
   </p:embeddedFontLst>
   <p:defaultTextStyle>
@@ -129,7 +128,7 @@
   </p:defaultTextStyle>
   <p:extLst>
     <p:ext uri="{EFAFB233-063F-42B5-8137-9DF3F51BA10A}">
-      <p15:sldGuideLst xmlns:p15="http://schemas.microsoft.com/office/powerpoint/2012/main" xmlns="">
+      <p15:sldGuideLst xmlns:p15="http://schemas.microsoft.com/office/powerpoint/2012/main">
         <p15:guide id="1" orient="horz" pos="2160">
           <p15:clr>
             <a:srgbClr val="A4A3A4"/>
@@ -5441,6 +5440,42 @@
           </a:p>
         </p:txBody>
       </p:sp>
+      <p:sp>
+        <p:nvSpPr>
+          <p:cNvPr id="7" name="TextBox 6"/>
+          <p:cNvSpPr txBox="1"/>
+          <p:nvPr/>
+        </p:nvSpPr>
+        <p:spPr>
+          <a:xfrm>
+            <a:off x="11064552" y="6323280"/>
+            <a:ext cx="936104" cy="369332"/>
+          </a:xfrm>
+          <a:prstGeom prst="rect">
+            <a:avLst/>
+          </a:prstGeom>
+          <a:noFill/>
+        </p:spPr>
+        <p:txBody>
+          <a:bodyPr wrap="square" rtlCol="0">
+            <a:spAutoFit/>
+          </a:bodyPr>
+          <a:lstStyle/>
+          <a:p>
+            <a:r>
+              <a:rPr lang="en-US" altLang="ko-KR" dirty="0" smtClean="0">
+                <a:latin typeface="210 콤퓨타세탁 L" pitchFamily="18" charset="-127"/>
+                <a:ea typeface="210 콤퓨타세탁 L" pitchFamily="18" charset="-127"/>
+              </a:rPr>
+              <a:t>10/10</a:t>
+            </a:r>
+            <a:endParaRPr lang="ko-KR" altLang="en-US" dirty="0" smtClean="0">
+              <a:latin typeface="210 콤퓨타세탁 L" pitchFamily="18" charset="-127"/>
+              <a:ea typeface="210 콤퓨타세탁 L" pitchFamily="18" charset="-127"/>
+            </a:endParaRPr>
+          </a:p>
+        </p:txBody>
+      </p:sp>
     </p:spTree>
     <p:extLst>
       <p:ext uri="{BB962C8B-B14F-4D97-AF65-F5344CB8AC3E}">
@@ -5480,173 +5515,6 @@
       </p:grpSpPr>
       <p:sp>
         <p:nvSpPr>
-          <p:cNvPr id="4" name="사다리꼴 3"/>
-          <p:cNvSpPr/>
-          <p:nvPr/>
-        </p:nvSpPr>
-        <p:spPr>
-          <a:xfrm rot="10800000">
-            <a:off x="357351" y="0"/>
-            <a:ext cx="11424745" cy="105103"/>
-          </a:xfrm>
-          <a:prstGeom prst="trapezoid">
-            <a:avLst/>
-          </a:prstGeom>
-          <a:solidFill>
-            <a:srgbClr val="A4B1C4"/>
-          </a:solidFill>
-          <a:ln>
-            <a:noFill/>
-          </a:ln>
-        </p:spPr>
-        <p:style>
-          <a:lnRef idx="2">
-            <a:schemeClr val="accent1">
-              <a:shade val="50000"/>
-            </a:schemeClr>
-          </a:lnRef>
-          <a:fillRef idx="1">
-            <a:schemeClr val="accent1"/>
-          </a:fillRef>
-          <a:effectRef idx="0">
-            <a:schemeClr val="accent1"/>
-          </a:effectRef>
-          <a:fontRef idx="minor">
-            <a:schemeClr val="lt1"/>
-          </a:fontRef>
-        </p:style>
-        <p:txBody>
-          <a:bodyPr rtlCol="0" anchor="ctr"/>
-          <a:lstStyle/>
-          <a:p>
-            <a:pPr algn="ctr"/>
-            <a:endParaRPr lang="ko-KR" altLang="en-US">
-              <a:latin typeface="+mn-ea"/>
-            </a:endParaRPr>
-          </a:p>
-        </p:txBody>
-      </p:sp>
-      <p:sp>
-        <p:nvSpPr>
-          <p:cNvPr id="5" name="TextBox 4"/>
-          <p:cNvSpPr txBox="1"/>
-          <p:nvPr/>
-        </p:nvSpPr>
-        <p:spPr>
-          <a:xfrm>
-            <a:off x="357351" y="190705"/>
-            <a:ext cx="3624710" cy="707886"/>
-          </a:xfrm>
-          <a:prstGeom prst="rect">
-            <a:avLst/>
-          </a:prstGeom>
-          <a:noFill/>
-        </p:spPr>
-        <p:txBody>
-          <a:bodyPr wrap="none" rtlCol="0">
-            <a:spAutoFit/>
-          </a:bodyPr>
-          <a:lstStyle/>
-          <a:p>
-            <a:r>
-              <a:rPr lang="ko-KR" altLang="en-US" sz="4000" b="1" dirty="0" smtClean="0">
-                <a:latin typeface="+mn-ea"/>
-              </a:rPr>
-              <a:t>물품 구매 현황</a:t>
-            </a:r>
-            <a:endParaRPr lang="ko-KR" altLang="en-US" sz="4000" b="1" dirty="0">
-              <a:latin typeface="+mn-ea"/>
-            </a:endParaRPr>
-          </a:p>
-        </p:txBody>
-      </p:sp>
-      <p:sp>
-        <p:nvSpPr>
-          <p:cNvPr id="32" name="사다리꼴 31"/>
-          <p:cNvSpPr/>
-          <p:nvPr/>
-        </p:nvSpPr>
-        <p:spPr>
-          <a:xfrm rot="10800000" flipV="1">
-            <a:off x="357351" y="882938"/>
-            <a:ext cx="11424745" cy="105103"/>
-          </a:xfrm>
-          <a:prstGeom prst="trapezoid">
-            <a:avLst/>
-          </a:prstGeom>
-          <a:solidFill>
-            <a:srgbClr val="A4B1C4"/>
-          </a:solidFill>
-          <a:ln>
-            <a:noFill/>
-          </a:ln>
-        </p:spPr>
-        <p:style>
-          <a:lnRef idx="2">
-            <a:schemeClr val="accent1">
-              <a:shade val="50000"/>
-            </a:schemeClr>
-          </a:lnRef>
-          <a:fillRef idx="1">
-            <a:schemeClr val="accent1"/>
-          </a:fillRef>
-          <a:effectRef idx="0">
-            <a:schemeClr val="accent1"/>
-          </a:effectRef>
-          <a:fontRef idx="minor">
-            <a:schemeClr val="lt1"/>
-          </a:fontRef>
-        </p:style>
-        <p:txBody>
-          <a:bodyPr rtlCol="0" anchor="ctr"/>
-          <a:lstStyle/>
-          <a:p>
-            <a:pPr algn="ctr"/>
-            <a:endParaRPr lang="ko-KR" altLang="en-US">
-              <a:latin typeface="+mn-ea"/>
-            </a:endParaRPr>
-          </a:p>
-        </p:txBody>
-      </p:sp>
-    </p:spTree>
-    <p:extLst>
-      <p:ext uri="{BB962C8B-B14F-4D97-AF65-F5344CB8AC3E}">
-        <p14:creationId xmlns:p14="http://schemas.microsoft.com/office/powerpoint/2010/main" val="1092654142"/>
-      </p:ext>
-    </p:extLst>
-  </p:cSld>
-  <p:clrMapOvr>
-    <a:masterClrMapping/>
-  </p:clrMapOvr>
-  <p:timing>
-    <p:tnLst>
-      <p:par>
-        <p:cTn id="1" dur="indefinite" restart="never" nodeType="tmRoot"/>
-      </p:par>
-    </p:tnLst>
-  </p:timing>
-</p:sld>
-</file>
-
-<file path=ppt/slides/slide12.xml><?xml version="1.0" encoding="utf-8"?>
-<p:sld xmlns:a="http://schemas.openxmlformats.org/drawingml/2006/main" xmlns:r="http://schemas.openxmlformats.org/officeDocument/2006/relationships" xmlns:p="http://schemas.openxmlformats.org/presentationml/2006/main">
-  <p:cSld>
-    <p:spTree>
-      <p:nvGrpSpPr>
-        <p:cNvPr id="1" name=""/>
-        <p:cNvGrpSpPr/>
-        <p:nvPr/>
-      </p:nvGrpSpPr>
-      <p:grpSpPr>
-        <a:xfrm>
-          <a:off x="0" y="0"/>
-          <a:ext cx="0" cy="0"/>
-          <a:chOff x="0" y="0"/>
-          <a:chExt cx="0" cy="0"/>
-        </a:xfrm>
-      </p:grpSpPr>
-      <p:sp>
-        <p:nvSpPr>
           <p:cNvPr id="5" name="직사각형 4"/>
           <p:cNvSpPr/>
           <p:nvPr/>
@@ -5898,7 +5766,7 @@
 </p:sld>
 </file>
 
-<file path=ppt/slides/slide13.xml><?xml version="1.0" encoding="utf-8"?>
+<file path=ppt/slides/slide12.xml><?xml version="1.0" encoding="utf-8"?>
 <p:sld xmlns:a="http://schemas.openxmlformats.org/drawingml/2006/main" xmlns:r="http://schemas.openxmlformats.org/officeDocument/2006/relationships" xmlns:p="http://schemas.openxmlformats.org/presentationml/2006/main">
   <p:cSld>
     <p:spTree>
@@ -6233,7 +6101,7 @@
         <p:spPr>
           <a:xfrm>
             <a:off x="5015880" y="666113"/>
-            <a:ext cx="4176464" cy="5262979"/>
+            <a:ext cx="4176464" cy="5478423"/>
           </a:xfrm>
           <a:prstGeom prst="rect">
             <a:avLst/>
@@ -6248,7 +6116,7 @@
           <a:p>
             <a:pPr>
               <a:lnSpc>
-                <a:spcPct val="200000"/>
+                <a:spcPct val="250000"/>
               </a:lnSpc>
             </a:pPr>
             <a:r>
@@ -6259,37 +6127,6 @@
                 <a:latin typeface="+mn-ea"/>
               </a:rPr>
               <a:t>시스템 레이아웃</a:t>
-            </a:r>
-            <a:endParaRPr lang="en-US" altLang="ko-KR" sz="2800" b="1" smtClean="0">
-              <a:solidFill>
-                <a:schemeClr val="bg1"/>
-              </a:solidFill>
-              <a:latin typeface="+mn-ea"/>
-            </a:endParaRPr>
-          </a:p>
-          <a:p>
-            <a:pPr>
-              <a:lnSpc>
-                <a:spcPct val="200000"/>
-              </a:lnSpc>
-            </a:pPr>
-            <a:r>
-              <a:rPr lang="ko-KR" altLang="en-US" sz="2800" b="1" smtClean="0">
-                <a:solidFill>
-                  <a:schemeClr val="bg1"/>
-                </a:solidFill>
-                <a:latin typeface="+mn-ea"/>
-              </a:rPr>
-              <a:t>데이터 </a:t>
-            </a:r>
-            <a:r>
-              <a:rPr lang="ko-KR" altLang="en-US" sz="2800" b="1" dirty="0" smtClean="0">
-                <a:solidFill>
-                  <a:schemeClr val="bg1"/>
-                </a:solidFill>
-                <a:latin typeface="+mn-ea"/>
-              </a:rPr>
-              <a:t>레이아웃</a:t>
             </a:r>
             <a:endParaRPr lang="en-US" altLang="ko-KR" sz="2800" b="1" dirty="0" smtClean="0">
               <a:solidFill>
@@ -6301,7 +6138,7 @@
           <a:p>
             <a:pPr>
               <a:lnSpc>
-                <a:spcPct val="200000"/>
+                <a:spcPct val="250000"/>
               </a:lnSpc>
             </a:pPr>
             <a:r>
@@ -6311,7 +6148,7 @@
                 </a:solidFill>
                 <a:latin typeface="+mn-ea"/>
               </a:rPr>
-              <a:t>진행 상황</a:t>
+              <a:t>데이터 레이아웃</a:t>
             </a:r>
             <a:endParaRPr lang="en-US" altLang="ko-KR" sz="2800" b="1" dirty="0" smtClean="0">
               <a:solidFill>
@@ -6323,7 +6160,7 @@
           <a:p>
             <a:pPr>
               <a:lnSpc>
-                <a:spcPct val="200000"/>
+                <a:spcPct val="250000"/>
               </a:lnSpc>
             </a:pPr>
             <a:r>
@@ -6333,7 +6170,16 @@
                 </a:solidFill>
                 <a:latin typeface="+mn-ea"/>
               </a:rPr>
-              <a:t>향후 계획</a:t>
+              <a:t>개발 진행 </a:t>
+            </a:r>
+            <a:r>
+              <a:rPr lang="ko-KR" altLang="en-US" sz="2800" b="1" dirty="0" smtClean="0">
+                <a:solidFill>
+                  <a:schemeClr val="bg1"/>
+                </a:solidFill>
+                <a:latin typeface="+mn-ea"/>
+              </a:rPr>
+              <a:t>상황</a:t>
             </a:r>
             <a:endParaRPr lang="en-US" altLang="ko-KR" sz="2800" b="1" dirty="0" smtClean="0">
               <a:solidFill>
@@ -6345,7 +6191,7 @@
           <a:p>
             <a:pPr>
               <a:lnSpc>
-                <a:spcPct val="200000"/>
+                <a:spcPct val="250000"/>
               </a:lnSpc>
             </a:pPr>
             <a:r>
@@ -6355,7 +6201,7 @@
                 </a:solidFill>
                 <a:latin typeface="+mn-ea"/>
               </a:rPr>
-              <a:t>물품 구매 현황</a:t>
+              <a:t>향후 계획</a:t>
             </a:r>
             <a:endParaRPr lang="en-US" altLang="ko-KR" sz="2800" b="1" dirty="0" smtClean="0">
               <a:solidFill>
@@ -6367,7 +6213,7 @@
           <a:p>
             <a:pPr>
               <a:lnSpc>
-                <a:spcPct val="200000"/>
+                <a:spcPct val="250000"/>
               </a:lnSpc>
             </a:pPr>
             <a:r>
@@ -6384,6 +6230,42 @@
                 <a:schemeClr val="bg1"/>
               </a:solidFill>
               <a:latin typeface="+mn-ea"/>
+            </a:endParaRPr>
+          </a:p>
+        </p:txBody>
+      </p:sp>
+      <p:sp>
+        <p:nvSpPr>
+          <p:cNvPr id="3" name="TextBox 2"/>
+          <p:cNvSpPr txBox="1"/>
+          <p:nvPr/>
+        </p:nvSpPr>
+        <p:spPr>
+          <a:xfrm>
+            <a:off x="11064552" y="6323280"/>
+            <a:ext cx="720080" cy="369332"/>
+          </a:xfrm>
+          <a:prstGeom prst="rect">
+            <a:avLst/>
+          </a:prstGeom>
+          <a:noFill/>
+        </p:spPr>
+        <p:txBody>
+          <a:bodyPr wrap="square" rtlCol="0">
+            <a:spAutoFit/>
+          </a:bodyPr>
+          <a:lstStyle/>
+          <a:p>
+            <a:r>
+              <a:rPr lang="en-US" altLang="ko-KR" dirty="0" smtClean="0">
+                <a:latin typeface="210 콤퓨타세탁 L" pitchFamily="18" charset="-127"/>
+                <a:ea typeface="210 콤퓨타세탁 L" pitchFamily="18" charset="-127"/>
+              </a:rPr>
+              <a:t>2/10</a:t>
+            </a:r>
+            <a:endParaRPr lang="ko-KR" altLang="en-US" dirty="0" smtClean="0">
+              <a:latin typeface="210 콤퓨타세탁 L" pitchFamily="18" charset="-127"/>
+              <a:ea typeface="210 콤퓨타세탁 L" pitchFamily="18" charset="-127"/>
             </a:endParaRPr>
           </a:p>
         </p:txBody>
@@ -7889,6 +7771,42 @@
           </a:p>
         </p:txBody>
       </p:sp>
+      <p:sp>
+        <p:nvSpPr>
+          <p:cNvPr id="31" name="TextBox 30"/>
+          <p:cNvSpPr txBox="1"/>
+          <p:nvPr/>
+        </p:nvSpPr>
+        <p:spPr>
+          <a:xfrm>
+            <a:off x="11064552" y="6323280"/>
+            <a:ext cx="720080" cy="369332"/>
+          </a:xfrm>
+          <a:prstGeom prst="rect">
+            <a:avLst/>
+          </a:prstGeom>
+          <a:noFill/>
+        </p:spPr>
+        <p:txBody>
+          <a:bodyPr wrap="square" rtlCol="0">
+            <a:spAutoFit/>
+          </a:bodyPr>
+          <a:lstStyle/>
+          <a:p>
+            <a:r>
+              <a:rPr lang="en-US" altLang="ko-KR" dirty="0" smtClean="0">
+                <a:latin typeface="210 콤퓨타세탁 L" pitchFamily="18" charset="-127"/>
+                <a:ea typeface="210 콤퓨타세탁 L" pitchFamily="18" charset="-127"/>
+              </a:rPr>
+              <a:t>3/10</a:t>
+            </a:r>
+            <a:endParaRPr lang="ko-KR" altLang="en-US" dirty="0" smtClean="0">
+              <a:latin typeface="210 콤퓨타세탁 L" pitchFamily="18" charset="-127"/>
+              <a:ea typeface="210 콤퓨타세탁 L" pitchFamily="18" charset="-127"/>
+            </a:endParaRPr>
+          </a:p>
+        </p:txBody>
+      </p:sp>
     </p:spTree>
     <p:extLst>
       <p:ext uri="{BB962C8B-B14F-4D97-AF65-F5344CB8AC3E}">
@@ -8456,6 +8374,42 @@
           </a:p>
         </p:txBody>
       </p:sp>
+      <p:sp>
+        <p:nvSpPr>
+          <p:cNvPr id="13" name="TextBox 12"/>
+          <p:cNvSpPr txBox="1"/>
+          <p:nvPr/>
+        </p:nvSpPr>
+        <p:spPr>
+          <a:xfrm>
+            <a:off x="11064552" y="6323280"/>
+            <a:ext cx="720080" cy="369332"/>
+          </a:xfrm>
+          <a:prstGeom prst="rect">
+            <a:avLst/>
+          </a:prstGeom>
+          <a:noFill/>
+        </p:spPr>
+        <p:txBody>
+          <a:bodyPr wrap="square" rtlCol="0">
+            <a:spAutoFit/>
+          </a:bodyPr>
+          <a:lstStyle/>
+          <a:p>
+            <a:r>
+              <a:rPr lang="en-US" altLang="ko-KR" dirty="0" smtClean="0">
+                <a:latin typeface="210 콤퓨타세탁 L" pitchFamily="18" charset="-127"/>
+                <a:ea typeface="210 콤퓨타세탁 L" pitchFamily="18" charset="-127"/>
+              </a:rPr>
+              <a:t>4/10</a:t>
+            </a:r>
+            <a:endParaRPr lang="ko-KR" altLang="en-US" dirty="0" smtClean="0">
+              <a:latin typeface="210 콤퓨타세탁 L" pitchFamily="18" charset="-127"/>
+              <a:ea typeface="210 콤퓨타세탁 L" pitchFamily="18" charset="-127"/>
+            </a:endParaRPr>
+          </a:p>
+        </p:txBody>
+      </p:sp>
     </p:spTree>
     <p:extLst>
       <p:ext uri="{BB962C8B-B14F-4D97-AF65-F5344CB8AC3E}">
@@ -9294,6 +9248,42 @@
           </a:p>
         </p:txBody>
       </p:sp>
+      <p:sp>
+        <p:nvSpPr>
+          <p:cNvPr id="17" name="TextBox 16"/>
+          <p:cNvSpPr txBox="1"/>
+          <p:nvPr/>
+        </p:nvSpPr>
+        <p:spPr>
+          <a:xfrm>
+            <a:off x="11064552" y="6323280"/>
+            <a:ext cx="720080" cy="369332"/>
+          </a:xfrm>
+          <a:prstGeom prst="rect">
+            <a:avLst/>
+          </a:prstGeom>
+          <a:noFill/>
+        </p:spPr>
+        <p:txBody>
+          <a:bodyPr wrap="square" rtlCol="0">
+            <a:spAutoFit/>
+          </a:bodyPr>
+          <a:lstStyle/>
+          <a:p>
+            <a:r>
+              <a:rPr lang="en-US" altLang="ko-KR" dirty="0" smtClean="0">
+                <a:latin typeface="210 콤퓨타세탁 L" pitchFamily="18" charset="-127"/>
+                <a:ea typeface="210 콤퓨타세탁 L" pitchFamily="18" charset="-127"/>
+              </a:rPr>
+              <a:t>5/10</a:t>
+            </a:r>
+            <a:endParaRPr lang="ko-KR" altLang="en-US" dirty="0" smtClean="0">
+              <a:latin typeface="210 콤퓨타세탁 L" pitchFamily="18" charset="-127"/>
+              <a:ea typeface="210 콤퓨타세탁 L" pitchFamily="18" charset="-127"/>
+            </a:endParaRPr>
+          </a:p>
+        </p:txBody>
+      </p:sp>
     </p:spTree>
     <p:extLst>
       <p:ext uri="{BB962C8B-B14F-4D97-AF65-F5344CB8AC3E}">
@@ -9388,7 +9378,7 @@
         <p:spPr>
           <a:xfrm>
             <a:off x="357351" y="190705"/>
-            <a:ext cx="2417650" cy="707886"/>
+            <a:ext cx="3624710" cy="707886"/>
           </a:xfrm>
           <a:prstGeom prst="rect">
             <a:avLst/>
@@ -9405,7 +9395,13 @@
               <a:rPr lang="ko-KR" altLang="en-US" sz="4000" b="1" dirty="0" smtClean="0">
                 <a:latin typeface="+mn-ea"/>
               </a:rPr>
-              <a:t>진행 상황</a:t>
+              <a:t>개발 진행 </a:t>
+            </a:r>
+            <a:r>
+              <a:rPr lang="ko-KR" altLang="en-US" sz="4000" b="1" dirty="0" smtClean="0">
+                <a:latin typeface="+mn-ea"/>
+              </a:rPr>
+              <a:t>상황</a:t>
             </a:r>
             <a:endParaRPr lang="ko-KR" altLang="en-US" sz="4000" b="1" dirty="0">
               <a:latin typeface="+mn-ea"/>
@@ -9925,6 +9921,42 @@
             </a:r>
             <a:endParaRPr lang="ko-KR" altLang="en-US" b="1" dirty="0" smtClean="0">
               <a:latin typeface="+mn-ea"/>
+            </a:endParaRPr>
+          </a:p>
+        </p:txBody>
+      </p:sp>
+      <p:sp>
+        <p:nvSpPr>
+          <p:cNvPr id="18" name="TextBox 17"/>
+          <p:cNvSpPr txBox="1"/>
+          <p:nvPr/>
+        </p:nvSpPr>
+        <p:spPr>
+          <a:xfrm>
+            <a:off x="11064552" y="6323280"/>
+            <a:ext cx="720080" cy="369332"/>
+          </a:xfrm>
+          <a:prstGeom prst="rect">
+            <a:avLst/>
+          </a:prstGeom>
+          <a:noFill/>
+        </p:spPr>
+        <p:txBody>
+          <a:bodyPr wrap="square" rtlCol="0">
+            <a:spAutoFit/>
+          </a:bodyPr>
+          <a:lstStyle/>
+          <a:p>
+            <a:r>
+              <a:rPr lang="en-US" altLang="ko-KR" dirty="0" smtClean="0">
+                <a:latin typeface="210 콤퓨타세탁 L" pitchFamily="18" charset="-127"/>
+                <a:ea typeface="210 콤퓨타세탁 L" pitchFamily="18" charset="-127"/>
+              </a:rPr>
+              <a:t>6/10</a:t>
+            </a:r>
+            <a:endParaRPr lang="ko-KR" altLang="en-US" dirty="0" smtClean="0">
+              <a:latin typeface="210 콤퓨타세탁 L" pitchFamily="18" charset="-127"/>
+              <a:ea typeface="210 콤퓨타세탁 L" pitchFamily="18" charset="-127"/>
             </a:endParaRPr>
           </a:p>
         </p:txBody>
@@ -10016,40 +10048,6 @@
       </p:sp>
       <p:sp>
         <p:nvSpPr>
-          <p:cNvPr id="5" name="TextBox 4"/>
-          <p:cNvSpPr txBox="1"/>
-          <p:nvPr/>
-        </p:nvSpPr>
-        <p:spPr>
-          <a:xfrm>
-            <a:off x="357351" y="190705"/>
-            <a:ext cx="2417650" cy="707886"/>
-          </a:xfrm>
-          <a:prstGeom prst="rect">
-            <a:avLst/>
-          </a:prstGeom>
-          <a:noFill/>
-        </p:spPr>
-        <p:txBody>
-          <a:bodyPr wrap="none" rtlCol="0">
-            <a:spAutoFit/>
-          </a:bodyPr>
-          <a:lstStyle/>
-          <a:p>
-            <a:r>
-              <a:rPr lang="ko-KR" altLang="en-US" sz="4000" b="1" dirty="0" smtClean="0">
-                <a:latin typeface="+mn-ea"/>
-              </a:rPr>
-              <a:t>진행 상황</a:t>
-            </a:r>
-            <a:endParaRPr lang="ko-KR" altLang="en-US" sz="4000" b="1" dirty="0">
-              <a:latin typeface="+mn-ea"/>
-            </a:endParaRPr>
-          </a:p>
-        </p:txBody>
-      </p:sp>
-      <p:sp>
-        <p:nvSpPr>
           <p:cNvPr id="32" name="사다리꼴 31"/>
           <p:cNvSpPr/>
           <p:nvPr/>
@@ -10190,6 +10188,82 @@
               </a:lnSpc>
             </a:pPr>
             <a:endParaRPr lang="en-US" altLang="ko-KR" sz="2500" b="1" dirty="0" smtClean="0">
+              <a:latin typeface="+mn-ea"/>
+            </a:endParaRPr>
+          </a:p>
+        </p:txBody>
+      </p:sp>
+      <p:sp>
+        <p:nvSpPr>
+          <p:cNvPr id="7" name="TextBox 6"/>
+          <p:cNvSpPr txBox="1"/>
+          <p:nvPr/>
+        </p:nvSpPr>
+        <p:spPr>
+          <a:xfrm>
+            <a:off x="11064552" y="6323280"/>
+            <a:ext cx="720080" cy="369332"/>
+          </a:xfrm>
+          <a:prstGeom prst="rect">
+            <a:avLst/>
+          </a:prstGeom>
+          <a:noFill/>
+        </p:spPr>
+        <p:txBody>
+          <a:bodyPr wrap="square" rtlCol="0">
+            <a:spAutoFit/>
+          </a:bodyPr>
+          <a:lstStyle/>
+          <a:p>
+            <a:r>
+              <a:rPr lang="en-US" altLang="ko-KR" dirty="0" smtClean="0">
+                <a:latin typeface="210 콤퓨타세탁 L" pitchFamily="18" charset="-127"/>
+                <a:ea typeface="210 콤퓨타세탁 L" pitchFamily="18" charset="-127"/>
+              </a:rPr>
+              <a:t>7/10</a:t>
+            </a:r>
+            <a:endParaRPr lang="ko-KR" altLang="en-US" dirty="0" smtClean="0">
+              <a:latin typeface="210 콤퓨타세탁 L" pitchFamily="18" charset="-127"/>
+              <a:ea typeface="210 콤퓨타세탁 L" pitchFamily="18" charset="-127"/>
+            </a:endParaRPr>
+          </a:p>
+        </p:txBody>
+      </p:sp>
+      <p:sp>
+        <p:nvSpPr>
+          <p:cNvPr id="8" name="TextBox 7"/>
+          <p:cNvSpPr txBox="1"/>
+          <p:nvPr/>
+        </p:nvSpPr>
+        <p:spPr>
+          <a:xfrm>
+            <a:off x="357351" y="190705"/>
+            <a:ext cx="3624710" cy="707886"/>
+          </a:xfrm>
+          <a:prstGeom prst="rect">
+            <a:avLst/>
+          </a:prstGeom>
+          <a:noFill/>
+        </p:spPr>
+        <p:txBody>
+          <a:bodyPr wrap="none" rtlCol="0">
+            <a:spAutoFit/>
+          </a:bodyPr>
+          <a:lstStyle/>
+          <a:p>
+            <a:r>
+              <a:rPr lang="ko-KR" altLang="en-US" sz="4000" b="1" dirty="0" smtClean="0">
+                <a:latin typeface="+mn-ea"/>
+              </a:rPr>
+              <a:t>개발 진행 </a:t>
+            </a:r>
+            <a:r>
+              <a:rPr lang="ko-KR" altLang="en-US" sz="4000" b="1" dirty="0" smtClean="0">
+                <a:latin typeface="+mn-ea"/>
+              </a:rPr>
+              <a:t>상황</a:t>
+            </a:r>
+            <a:endParaRPr lang="ko-KR" altLang="en-US" sz="4000" b="1" dirty="0">
               <a:latin typeface="+mn-ea"/>
             </a:endParaRPr>
           </a:p>
@@ -10282,40 +10356,6 @@
       </p:sp>
       <p:sp>
         <p:nvSpPr>
-          <p:cNvPr id="5" name="TextBox 4"/>
-          <p:cNvSpPr txBox="1"/>
-          <p:nvPr/>
-        </p:nvSpPr>
-        <p:spPr>
-          <a:xfrm>
-            <a:off x="357351" y="190705"/>
-            <a:ext cx="2417650" cy="707886"/>
-          </a:xfrm>
-          <a:prstGeom prst="rect">
-            <a:avLst/>
-          </a:prstGeom>
-          <a:noFill/>
-        </p:spPr>
-        <p:txBody>
-          <a:bodyPr wrap="none" rtlCol="0">
-            <a:spAutoFit/>
-          </a:bodyPr>
-          <a:lstStyle/>
-          <a:p>
-            <a:r>
-              <a:rPr lang="ko-KR" altLang="en-US" sz="4000" b="1" dirty="0" smtClean="0">
-                <a:latin typeface="+mn-ea"/>
-              </a:rPr>
-              <a:t>진행 상황</a:t>
-            </a:r>
-            <a:endParaRPr lang="ko-KR" altLang="en-US" sz="4000" b="1" dirty="0">
-              <a:latin typeface="+mn-ea"/>
-            </a:endParaRPr>
-          </a:p>
-        </p:txBody>
-      </p:sp>
-      <p:sp>
-        <p:nvSpPr>
           <p:cNvPr id="32" name="사다리꼴 31"/>
           <p:cNvSpPr/>
           <p:nvPr/>
@@ -10600,6 +10640,82 @@
           </a:fontRef>
         </p:style>
       </p:cxnSp>
+      <p:sp>
+        <p:nvSpPr>
+          <p:cNvPr id="11" name="TextBox 10"/>
+          <p:cNvSpPr txBox="1"/>
+          <p:nvPr/>
+        </p:nvSpPr>
+        <p:spPr>
+          <a:xfrm>
+            <a:off x="11064552" y="6323280"/>
+            <a:ext cx="720080" cy="369332"/>
+          </a:xfrm>
+          <a:prstGeom prst="rect">
+            <a:avLst/>
+          </a:prstGeom>
+          <a:noFill/>
+        </p:spPr>
+        <p:txBody>
+          <a:bodyPr wrap="square" rtlCol="0">
+            <a:spAutoFit/>
+          </a:bodyPr>
+          <a:lstStyle/>
+          <a:p>
+            <a:r>
+              <a:rPr lang="en-US" altLang="ko-KR" dirty="0" smtClean="0">
+                <a:latin typeface="210 콤퓨타세탁 L" pitchFamily="18" charset="-127"/>
+                <a:ea typeface="210 콤퓨타세탁 L" pitchFamily="18" charset="-127"/>
+              </a:rPr>
+              <a:t>8/10</a:t>
+            </a:r>
+            <a:endParaRPr lang="ko-KR" altLang="en-US" dirty="0" smtClean="0">
+              <a:latin typeface="210 콤퓨타세탁 L" pitchFamily="18" charset="-127"/>
+              <a:ea typeface="210 콤퓨타세탁 L" pitchFamily="18" charset="-127"/>
+            </a:endParaRPr>
+          </a:p>
+        </p:txBody>
+      </p:sp>
+      <p:sp>
+        <p:nvSpPr>
+          <p:cNvPr id="12" name="TextBox 11"/>
+          <p:cNvSpPr txBox="1"/>
+          <p:nvPr/>
+        </p:nvSpPr>
+        <p:spPr>
+          <a:xfrm>
+            <a:off x="357351" y="190705"/>
+            <a:ext cx="3624710" cy="707886"/>
+          </a:xfrm>
+          <a:prstGeom prst="rect">
+            <a:avLst/>
+          </a:prstGeom>
+          <a:noFill/>
+        </p:spPr>
+        <p:txBody>
+          <a:bodyPr wrap="none" rtlCol="0">
+            <a:spAutoFit/>
+          </a:bodyPr>
+          <a:lstStyle/>
+          <a:p>
+            <a:r>
+              <a:rPr lang="ko-KR" altLang="en-US" sz="4000" b="1" dirty="0" smtClean="0">
+                <a:latin typeface="+mn-ea"/>
+              </a:rPr>
+              <a:t>개발 진행 </a:t>
+            </a:r>
+            <a:r>
+              <a:rPr lang="ko-KR" altLang="en-US" sz="4000" b="1" dirty="0" smtClean="0">
+                <a:latin typeface="+mn-ea"/>
+              </a:rPr>
+              <a:t>상황</a:t>
+            </a:r>
+            <a:endParaRPr lang="ko-KR" altLang="en-US" sz="4000" b="1" dirty="0">
+              <a:latin typeface="+mn-ea"/>
+            </a:endParaRPr>
+          </a:p>
+        </p:txBody>
+      </p:sp>
     </p:spTree>
     <p:extLst>
       <p:ext uri="{BB962C8B-B14F-4D97-AF65-F5344CB8AC3E}">
@@ -10687,40 +10803,6 @@
       </p:sp>
       <p:sp>
         <p:nvSpPr>
-          <p:cNvPr id="5" name="TextBox 4"/>
-          <p:cNvSpPr txBox="1"/>
-          <p:nvPr/>
-        </p:nvSpPr>
-        <p:spPr>
-          <a:xfrm>
-            <a:off x="357351" y="190705"/>
-            <a:ext cx="2417650" cy="707886"/>
-          </a:xfrm>
-          <a:prstGeom prst="rect">
-            <a:avLst/>
-          </a:prstGeom>
-          <a:noFill/>
-        </p:spPr>
-        <p:txBody>
-          <a:bodyPr wrap="none" rtlCol="0">
-            <a:spAutoFit/>
-          </a:bodyPr>
-          <a:lstStyle/>
-          <a:p>
-            <a:r>
-              <a:rPr lang="ko-KR" altLang="en-US" sz="4000" b="1" dirty="0" smtClean="0">
-                <a:latin typeface="+mn-ea"/>
-              </a:rPr>
-              <a:t>진행 상황</a:t>
-            </a:r>
-            <a:endParaRPr lang="ko-KR" altLang="en-US" sz="4000" b="1" dirty="0">
-              <a:latin typeface="+mn-ea"/>
-            </a:endParaRPr>
-          </a:p>
-        </p:txBody>
-      </p:sp>
-      <p:sp>
-        <p:nvSpPr>
           <p:cNvPr id="32" name="사다리꼴 31"/>
           <p:cNvSpPr/>
           <p:nvPr/>
@@ -11149,6 +11231,82 @@
           </a:prstGeom>
         </p:spPr>
       </p:pic>
+      <p:sp>
+        <p:nvSpPr>
+          <p:cNvPr id="11" name="TextBox 10"/>
+          <p:cNvSpPr txBox="1"/>
+          <p:nvPr/>
+        </p:nvSpPr>
+        <p:spPr>
+          <a:xfrm>
+            <a:off x="11064552" y="6323280"/>
+            <a:ext cx="720080" cy="369332"/>
+          </a:xfrm>
+          <a:prstGeom prst="rect">
+            <a:avLst/>
+          </a:prstGeom>
+          <a:noFill/>
+        </p:spPr>
+        <p:txBody>
+          <a:bodyPr wrap="square" rtlCol="0">
+            <a:spAutoFit/>
+          </a:bodyPr>
+          <a:lstStyle/>
+          <a:p>
+            <a:r>
+              <a:rPr lang="en-US" altLang="ko-KR" dirty="0" smtClean="0">
+                <a:latin typeface="210 콤퓨타세탁 L" pitchFamily="18" charset="-127"/>
+                <a:ea typeface="210 콤퓨타세탁 L" pitchFamily="18" charset="-127"/>
+              </a:rPr>
+              <a:t>9/10</a:t>
+            </a:r>
+            <a:endParaRPr lang="ko-KR" altLang="en-US" dirty="0" smtClean="0">
+              <a:latin typeface="210 콤퓨타세탁 L" pitchFamily="18" charset="-127"/>
+              <a:ea typeface="210 콤퓨타세탁 L" pitchFamily="18" charset="-127"/>
+            </a:endParaRPr>
+          </a:p>
+        </p:txBody>
+      </p:sp>
+      <p:sp>
+        <p:nvSpPr>
+          <p:cNvPr id="12" name="TextBox 11"/>
+          <p:cNvSpPr txBox="1"/>
+          <p:nvPr/>
+        </p:nvSpPr>
+        <p:spPr>
+          <a:xfrm>
+            <a:off x="357351" y="190705"/>
+            <a:ext cx="3624710" cy="707886"/>
+          </a:xfrm>
+          <a:prstGeom prst="rect">
+            <a:avLst/>
+          </a:prstGeom>
+          <a:noFill/>
+        </p:spPr>
+        <p:txBody>
+          <a:bodyPr wrap="none" rtlCol="0">
+            <a:spAutoFit/>
+          </a:bodyPr>
+          <a:lstStyle/>
+          <a:p>
+            <a:r>
+              <a:rPr lang="ko-KR" altLang="en-US" sz="4000" b="1" dirty="0" smtClean="0">
+                <a:latin typeface="+mn-ea"/>
+              </a:rPr>
+              <a:t>개발 진행 </a:t>
+            </a:r>
+            <a:r>
+              <a:rPr lang="ko-KR" altLang="en-US" sz="4000" b="1" dirty="0" smtClean="0">
+                <a:latin typeface="+mn-ea"/>
+              </a:rPr>
+              <a:t>상황</a:t>
+            </a:r>
+            <a:endParaRPr lang="ko-KR" altLang="en-US" sz="4000" b="1" dirty="0">
+              <a:latin typeface="+mn-ea"/>
+            </a:endParaRPr>
+          </a:p>
+        </p:txBody>
+      </p:sp>
     </p:spTree>
     <p:extLst>
       <p:ext uri="{BB962C8B-B14F-4D97-AF65-F5344CB8AC3E}">
@@ -11441,7 +11599,7 @@
   <a:extraClrSchemeLst/>
   <a:extLst>
     <a:ext uri="{05A4C25C-085E-4340-85A3-A5531E510DB2}">
-      <thm15:themeFamily xmlns:thm15="http://schemas.microsoft.com/office/thememl/2012/main" xmlns="" name="Office Theme" id="{62F939B6-93AF-4DB8-9C6B-D6C7DFDC589F}" vid="{4A3C46E8-61CC-4603-A589-7422A47A8E4A}"/>
+      <thm15:themeFamily xmlns:thm15="http://schemas.microsoft.com/office/thememl/2012/main" name="Office Theme" id="{62F939B6-93AF-4DB8-9C6B-D6C7DFDC589F}" vid="{4A3C46E8-61CC-4603-A589-7422A47A8E4A}"/>
     </a:ext>
   </a:extLst>
 </a:theme>

--- a/ppt/4주차 발표_3조.pptx
+++ b/ppt/4주차 발표_3조.pptx
@@ -128,7 +128,7 @@
   </p:defaultTextStyle>
   <p:extLst>
     <p:ext uri="{EFAFB233-063F-42B5-8137-9DF3F51BA10A}">
-      <p15:sldGuideLst xmlns:p15="http://schemas.microsoft.com/office/powerpoint/2012/main">
+      <p15:sldGuideLst xmlns:p15="http://schemas.microsoft.com/office/powerpoint/2012/main" xmlns="">
         <p15:guide id="1" orient="horz" pos="2160">
           <p15:clr>
             <a:srgbClr val="A4A3A4"/>
@@ -6170,16 +6170,7 @@
                 </a:solidFill>
                 <a:latin typeface="+mn-ea"/>
               </a:rPr>
-              <a:t>개발 진행 </a:t>
-            </a:r>
-            <a:r>
-              <a:rPr lang="ko-KR" altLang="en-US" sz="2800" b="1" dirty="0" smtClean="0">
-                <a:solidFill>
-                  <a:schemeClr val="bg1"/>
-                </a:solidFill>
-                <a:latin typeface="+mn-ea"/>
-              </a:rPr>
-              <a:t>상황</a:t>
+              <a:t>개발 진행 상황</a:t>
             </a:r>
             <a:endParaRPr lang="en-US" altLang="ko-KR" sz="2800" b="1" dirty="0" smtClean="0">
               <a:solidFill>
@@ -9395,13 +9386,7 @@
               <a:rPr lang="ko-KR" altLang="en-US" sz="4000" b="1" dirty="0" smtClean="0">
                 <a:latin typeface="+mn-ea"/>
               </a:rPr>
-              <a:t>개발 진행 </a:t>
-            </a:r>
-            <a:r>
-              <a:rPr lang="ko-KR" altLang="en-US" sz="4000" b="1" dirty="0" smtClean="0">
-                <a:latin typeface="+mn-ea"/>
-              </a:rPr>
-              <a:t>상황</a:t>
+              <a:t>개발 진행 상황</a:t>
             </a:r>
             <a:endParaRPr lang="ko-KR" altLang="en-US" sz="4000" b="1" dirty="0">
               <a:latin typeface="+mn-ea"/>
@@ -10131,8 +10116,8 @@
         </p:nvSpPr>
         <p:spPr>
           <a:xfrm>
-            <a:off x="695400" y="4921180"/>
-            <a:ext cx="10801200" cy="1172116"/>
+            <a:off x="695400" y="4437112"/>
+            <a:ext cx="10801200" cy="3554819"/>
           </a:xfrm>
           <a:prstGeom prst="rect">
             <a:avLst/>
@@ -10180,6 +10165,116 @@
               </a:rPr>
               <a:t>.</a:t>
             </a:r>
+          </a:p>
+          <a:p>
+            <a:pPr algn="ctr">
+              <a:lnSpc>
+                <a:spcPct val="150000"/>
+              </a:lnSpc>
+            </a:pPr>
+            <a:r>
+              <a:rPr lang="ko-KR" altLang="en-US" sz="2500" b="1" dirty="0">
+                <a:latin typeface="+mn-ea"/>
+              </a:rPr>
+              <a:t>아래서 두 번째 줄에 있는 </a:t>
+            </a:r>
+            <a:r>
+              <a:rPr lang="en-US" altLang="ko-KR" sz="2500" b="1" dirty="0" err="1">
+                <a:latin typeface="+mn-ea"/>
+              </a:rPr>
+              <a:t>url</a:t>
+            </a:r>
+            <a:r>
+              <a:rPr lang="ko-KR" altLang="en-US" sz="2500" b="1" dirty="0">
+                <a:latin typeface="+mn-ea"/>
+              </a:rPr>
+              <a:t>로 </a:t>
+            </a:r>
+            <a:r>
+              <a:rPr lang="en-US" altLang="ko-KR" sz="2500" b="1" dirty="0">
+                <a:latin typeface="+mn-ea"/>
+              </a:rPr>
+              <a:t>request</a:t>
+            </a:r>
+            <a:r>
+              <a:rPr lang="ko-KR" altLang="en-US" sz="2500" b="1" dirty="0">
+                <a:latin typeface="+mn-ea"/>
+              </a:rPr>
+              <a:t>를 보내고 </a:t>
+            </a:r>
+            <a:endParaRPr lang="en-US" altLang="ko-KR" sz="2500" b="1" dirty="0">
+              <a:latin typeface="+mn-ea"/>
+            </a:endParaRPr>
+          </a:p>
+          <a:p>
+            <a:pPr algn="ctr">
+              <a:lnSpc>
+                <a:spcPct val="150000"/>
+              </a:lnSpc>
+            </a:pPr>
+            <a:r>
+              <a:rPr lang="en-US" altLang="ko-KR" sz="2500" b="1" dirty="0" err="1">
+                <a:latin typeface="+mn-ea"/>
+              </a:rPr>
+              <a:t>initMap</a:t>
+            </a:r>
+            <a:r>
+              <a:rPr lang="ko-KR" altLang="en-US" sz="2500" b="1" dirty="0">
+                <a:latin typeface="+mn-ea"/>
+              </a:rPr>
+              <a:t>함수를 사용하여 </a:t>
+            </a:r>
+            <a:r>
+              <a:rPr lang="ko-KR" altLang="en-US" sz="2500" b="1" dirty="0" err="1">
+                <a:latin typeface="+mn-ea"/>
+              </a:rPr>
+              <a:t>구글</a:t>
+            </a:r>
+            <a:r>
+              <a:rPr lang="ko-KR" altLang="en-US" sz="2500" b="1" dirty="0">
+                <a:latin typeface="+mn-ea"/>
+              </a:rPr>
+              <a:t> 지도 객체를 생성하고 </a:t>
+            </a:r>
+            <a:r>
+              <a:rPr lang="en-US" altLang="ko-KR" sz="2500" b="1" dirty="0" err="1">
+                <a:latin typeface="+mn-ea"/>
+              </a:rPr>
+              <a:t>uluru</a:t>
+            </a:r>
+            <a:r>
+              <a:rPr lang="ko-KR" altLang="en-US" sz="2500" b="1" dirty="0">
+                <a:latin typeface="+mn-ea"/>
+              </a:rPr>
+              <a:t>에 저장된 좌표 값으로 지도의 최초 위치와 </a:t>
+            </a:r>
+            <a:r>
+              <a:rPr lang="en-US" altLang="ko-KR" sz="2500" b="1" dirty="0">
+                <a:latin typeface="+mn-ea"/>
+              </a:rPr>
+              <a:t>marker</a:t>
+            </a:r>
+            <a:r>
+              <a:rPr lang="ko-KR" altLang="en-US" sz="2500" b="1" dirty="0">
+                <a:latin typeface="+mn-ea"/>
+              </a:rPr>
+              <a:t>의</a:t>
+            </a:r>
+            <a:r>
+              <a:rPr lang="en-US" altLang="ko-KR" sz="2500" b="1" dirty="0">
+                <a:latin typeface="+mn-ea"/>
+              </a:rPr>
+              <a:t> </a:t>
+            </a:r>
+            <a:r>
+              <a:rPr lang="ko-KR" altLang="en-US" sz="2500" b="1" dirty="0">
+                <a:latin typeface="+mn-ea"/>
+              </a:rPr>
+              <a:t>최초 위치를 초기화함</a:t>
+            </a:r>
+            <a:endParaRPr lang="en-US" altLang="ko-KR" sz="2500" b="1" dirty="0">
+              <a:latin typeface="+mn-ea"/>
+            </a:endParaRPr>
           </a:p>
           <a:p>
             <a:pPr algn="ctr">
@@ -10191,6 +10286,16 @@
               <a:latin typeface="+mn-ea"/>
             </a:endParaRPr>
           </a:p>
+          <a:p>
+            <a:pPr algn="ctr">
+              <a:lnSpc>
+                <a:spcPct val="150000"/>
+              </a:lnSpc>
+            </a:pPr>
+            <a:endParaRPr lang="en-US" altLang="ko-KR" sz="2500" b="1" dirty="0" smtClean="0">
+              <a:latin typeface="+mn-ea"/>
+            </a:endParaRPr>
+          </a:p>
         </p:txBody>
       </p:sp>
       <p:sp>
@@ -10255,13 +10360,7 @@
               <a:rPr lang="ko-KR" altLang="en-US" sz="4000" b="1" dirty="0" smtClean="0">
                 <a:latin typeface="+mn-ea"/>
               </a:rPr>
-              <a:t>개발 진행 </a:t>
-            </a:r>
-            <a:r>
-              <a:rPr lang="ko-KR" altLang="en-US" sz="4000" b="1" dirty="0" smtClean="0">
-                <a:latin typeface="+mn-ea"/>
-              </a:rPr>
-              <a:t>상황</a:t>
+              <a:t>개발 진행 상황</a:t>
             </a:r>
             <a:endParaRPr lang="ko-KR" altLang="en-US" sz="4000" b="1" dirty="0">
               <a:latin typeface="+mn-ea"/>
@@ -10702,13 +10801,7 @@
               <a:rPr lang="ko-KR" altLang="en-US" sz="4000" b="1" dirty="0" smtClean="0">
                 <a:latin typeface="+mn-ea"/>
               </a:rPr>
-              <a:t>개발 진행 </a:t>
-            </a:r>
-            <a:r>
-              <a:rPr lang="ko-KR" altLang="en-US" sz="4000" b="1" dirty="0" smtClean="0">
-                <a:latin typeface="+mn-ea"/>
-              </a:rPr>
-              <a:t>상황</a:t>
+              <a:t>개발 진행 상황</a:t>
             </a:r>
             <a:endParaRPr lang="ko-KR" altLang="en-US" sz="4000" b="1" dirty="0">
               <a:latin typeface="+mn-ea"/>
@@ -11293,13 +11386,7 @@
               <a:rPr lang="ko-KR" altLang="en-US" sz="4000" b="1" dirty="0" smtClean="0">
                 <a:latin typeface="+mn-ea"/>
               </a:rPr>
-              <a:t>개발 진행 </a:t>
-            </a:r>
-            <a:r>
-              <a:rPr lang="ko-KR" altLang="en-US" sz="4000" b="1" dirty="0" smtClean="0">
-                <a:latin typeface="+mn-ea"/>
-              </a:rPr>
-              <a:t>상황</a:t>
+              <a:t>개발 진행 상황</a:t>
             </a:r>
             <a:endParaRPr lang="ko-KR" altLang="en-US" sz="4000" b="1" dirty="0">
               <a:latin typeface="+mn-ea"/>
@@ -11599,7 +11686,7 @@
   <a:extraClrSchemeLst/>
   <a:extLst>
     <a:ext uri="{05A4C25C-085E-4340-85A3-A5531E510DB2}">
-      <thm15:themeFamily xmlns:thm15="http://schemas.microsoft.com/office/thememl/2012/main" name="Office Theme" id="{62F939B6-93AF-4DB8-9C6B-D6C7DFDC589F}" vid="{4A3C46E8-61CC-4603-A589-7422A47A8E4A}"/>
+      <thm15:themeFamily xmlns:thm15="http://schemas.microsoft.com/office/thememl/2012/main" xmlns="" name="Office Theme" id="{62F939B6-93AF-4DB8-9C6B-D6C7DFDC589F}" vid="{4A3C46E8-61CC-4603-A589-7422A47A8E4A}"/>
     </a:ext>
   </a:extLst>
 </a:theme>
